--- a/Documents for Progress/topTagger_deepAK8_decor_comparison.pptx
+++ b/Documents for Progress/topTagger_deepAK8_decor_comparison.pptx
@@ -6,10 +6,10 @@
     <p:sldMasterId id="2147483661" r:id="rId2"/>
   </p:sldMasterIdLst>
   <p:notesMasterIdLst>
-    <p:notesMasterId r:id="rId12"/>
+    <p:notesMasterId r:id="rId13"/>
   </p:notesMasterIdLst>
   <p:handoutMasterIdLst>
-    <p:handoutMasterId r:id="rId13"/>
+    <p:handoutMasterId r:id="rId14"/>
   </p:handoutMasterIdLst>
   <p:sldIdLst>
     <p:sldId id="256" r:id="rId3"/>
@@ -21,6 +21,7 @@
     <p:sldId id="332" r:id="rId9"/>
     <p:sldId id="333" r:id="rId10"/>
     <p:sldId id="334" r:id="rId11"/>
+    <p:sldId id="336" r:id="rId12"/>
   </p:sldIdLst>
   <p:sldSz cx="12192000" cy="6858000"/>
   <p:notesSz cx="6858000" cy="9144000"/>
@@ -212,7 +213,7 @@
           <a:p>
             <a:fld id="{5EAB6CC4-09DE-4786-B729-44FA43014ED5}" type="datetime1">
               <a:rPr lang="en-GB" smtClean="0"/>
-              <a:t>04/06/2019</a:t>
+              <a:t>07/06/2019</a:t>
             </a:fld>
             <a:endParaRPr lang="en-GB"/>
           </a:p>
@@ -418,7 +419,7 @@
           <a:p>
             <a:fld id="{0E8614BA-4115-43D1-8AB3-3CDE9543FCCF}" type="datetime1">
               <a:rPr lang="en-GB" smtClean="0"/>
-              <a:t>04/06/2019</a:t>
+              <a:t>07/06/2019</a:t>
             </a:fld>
             <a:endParaRPr lang="en-GB"/>
           </a:p>
@@ -752,7 +753,7 @@
           <a:p>
             <a:fld id="{ACA0056A-F2C5-43AE-9E21-25F896F0B54F}" type="datetime1">
               <a:rPr lang="en-GB" smtClean="0"/>
-              <a:t>04/06/2019</a:t>
+              <a:t>07/06/2019</a:t>
             </a:fld>
             <a:endParaRPr lang="en-GB"/>
           </a:p>
@@ -1020,7 +1021,7 @@
           <a:p>
             <a:fld id="{B896338F-215D-4A23-B45D-A601457D9147}" type="datetime1">
               <a:rPr lang="en-US" smtClean="0"/>
-              <a:t>6/4/2019</a:t>
+              <a:t>6/7/2019</a:t>
             </a:fld>
             <a:endParaRPr lang="en-US" dirty="0"/>
           </a:p>
@@ -1227,7 +1228,7 @@
           <a:p>
             <a:fld id="{352F140F-AA80-4428-9056-21FB2C5EC325}" type="datetime1">
               <a:rPr lang="en-US" smtClean="0"/>
-              <a:t>6/4/2019</a:t>
+              <a:t>6/7/2019</a:t>
             </a:fld>
             <a:endParaRPr lang="en-US" dirty="0"/>
           </a:p>
@@ -1482,7 +1483,7 @@
           <a:p>
             <a:fld id="{2399EED5-3CCA-4927-AAA1-2F12E6928899}" type="datetime1">
               <a:rPr lang="en-US" smtClean="0"/>
-              <a:t>6/4/2019</a:t>
+              <a:t>6/7/2019</a:t>
             </a:fld>
             <a:endParaRPr lang="en-US" dirty="0"/>
           </a:p>
@@ -1673,7 +1674,7 @@
           <a:p>
             <a:fld id="{CB6B0CBA-FF60-4811-8607-F7E86397D9BD}" type="datetime1">
               <a:rPr lang="en-US" smtClean="0"/>
-              <a:t>6/4/2019</a:t>
+              <a:t>6/7/2019</a:t>
             </a:fld>
             <a:endParaRPr lang="en-GB"/>
           </a:p>
@@ -1847,7 +1848,7 @@
           <a:p>
             <a:fld id="{B93E4C17-F659-4125-A931-F8EFACEFBEB6}" type="datetime1">
               <a:rPr lang="en-US" smtClean="0"/>
-              <a:t>6/4/2019</a:t>
+              <a:t>6/7/2019</a:t>
             </a:fld>
             <a:endParaRPr lang="en-GB"/>
           </a:p>
@@ -2097,7 +2098,7 @@
           <a:p>
             <a:fld id="{66E2C448-DF2E-4E50-B89E-6498937F3145}" type="datetime1">
               <a:rPr lang="en-US" smtClean="0"/>
-              <a:t>6/4/2019</a:t>
+              <a:t>6/7/2019</a:t>
             </a:fld>
             <a:endParaRPr lang="en-GB"/>
           </a:p>
@@ -2333,7 +2334,7 @@
           <a:p>
             <a:fld id="{A47B6549-CDFE-4D95-A06B-8595A8A6E5A6}" type="datetime1">
               <a:rPr lang="en-US" smtClean="0"/>
-              <a:t>6/4/2019</a:t>
+              <a:t>6/7/2019</a:t>
             </a:fld>
             <a:endParaRPr lang="en-GB"/>
           </a:p>
@@ -2704,7 +2705,7 @@
           <a:p>
             <a:fld id="{B7DFA27F-A9EC-4FBB-A989-C3FDD60FA389}" type="datetime1">
               <a:rPr lang="en-US" smtClean="0"/>
-              <a:t>6/4/2019</a:t>
+              <a:t>6/7/2019</a:t>
             </a:fld>
             <a:endParaRPr lang="en-GB"/>
           </a:p>
@@ -2826,7 +2827,7 @@
           <a:p>
             <a:fld id="{32915C94-C382-4E3D-BB65-9DCA768CD95C}" type="datetime1">
               <a:rPr lang="en-US" smtClean="0"/>
-              <a:t>6/4/2019</a:t>
+              <a:t>6/7/2019</a:t>
             </a:fld>
             <a:endParaRPr lang="en-GB"/>
           </a:p>
@@ -2925,7 +2926,7 @@
           <a:p>
             <a:fld id="{8B00D2E8-BB89-4E5A-AC7F-E0D9B477EA9A}" type="datetime1">
               <a:rPr lang="en-US" smtClean="0"/>
-              <a:t>6/4/2019</a:t>
+              <a:t>6/7/2019</a:t>
             </a:fld>
             <a:endParaRPr lang="en-GB"/>
           </a:p>
@@ -3206,7 +3207,7 @@
           <a:p>
             <a:fld id="{CD80CFFC-1D67-44CF-AADC-1A2BD7892FA5}" type="datetime1">
               <a:rPr lang="en-US" smtClean="0"/>
-              <a:t>6/4/2019</a:t>
+              <a:t>6/7/2019</a:t>
             </a:fld>
             <a:endParaRPr lang="en-GB"/>
           </a:p>
@@ -3362,7 +3363,7 @@
           <a:p>
             <a:fld id="{920F7B6F-CD40-4554-AB7B-3D8F570A961C}" type="datetime1">
               <a:rPr lang="en-US" smtClean="0"/>
-              <a:t>6/4/2019</a:t>
+              <a:t>6/7/2019</a:t>
             </a:fld>
             <a:endParaRPr lang="en-US" dirty="0"/>
           </a:p>
@@ -3650,7 +3651,7 @@
           <a:p>
             <a:fld id="{315F4987-F10E-42C1-9415-75C9FD7F079A}" type="datetime1">
               <a:rPr lang="en-US" smtClean="0"/>
-              <a:t>6/4/2019</a:t>
+              <a:t>6/7/2019</a:t>
             </a:fld>
             <a:endParaRPr lang="en-GB"/>
           </a:p>
@@ -3824,7 +3825,7 @@
           <a:p>
             <a:fld id="{8D507AB4-72CD-4ABA-85A4-1B7DC7356679}" type="datetime1">
               <a:rPr lang="en-US" smtClean="0"/>
-              <a:t>6/4/2019</a:t>
+              <a:t>6/7/2019</a:t>
             </a:fld>
             <a:endParaRPr lang="en-GB"/>
           </a:p>
@@ -4008,7 +4009,7 @@
           <a:p>
             <a:fld id="{4E1BDD40-BDBA-4115-B173-9154D72966A9}" type="datetime1">
               <a:rPr lang="en-US" smtClean="0"/>
-              <a:t>6/4/2019</a:t>
+              <a:t>6/7/2019</a:t>
             </a:fld>
             <a:endParaRPr lang="en-GB"/>
           </a:p>
@@ -4355,7 +4356,7 @@
           <a:p>
             <a:fld id="{3890A557-2635-4650-9973-9258F2CB8A2E}" type="datetime1">
               <a:rPr lang="en-US" smtClean="0"/>
-              <a:t>6/4/2019</a:t>
+              <a:t>6/7/2019</a:t>
             </a:fld>
             <a:endParaRPr lang="en-US" dirty="0"/>
           </a:p>
@@ -4629,7 +4630,7 @@
           <a:p>
             <a:fld id="{A2B8328C-0844-4E25-8959-D9EC7AC0D65F}" type="datetime1">
               <a:rPr lang="en-US" smtClean="0"/>
-              <a:t>6/4/2019</a:t>
+              <a:t>6/7/2019</a:t>
             </a:fld>
             <a:endParaRPr lang="en-US" dirty="0"/>
           </a:p>
@@ -5007,7 +5008,7 @@
           <a:p>
             <a:fld id="{4EA6C6B1-990A-438D-BCC8-CBEFBE6A72E4}" type="datetime1">
               <a:rPr lang="en-US" smtClean="0"/>
-              <a:t>6/4/2019</a:t>
+              <a:t>6/7/2019</a:t>
             </a:fld>
             <a:endParaRPr lang="en-US" dirty="0"/>
           </a:p>
@@ -5124,7 +5125,7 @@
           <a:p>
             <a:fld id="{04EC709C-DE31-463C-8ED7-E8BBCA54F2E5}" type="datetime1">
               <a:rPr lang="en-US" smtClean="0"/>
-              <a:t>6/4/2019</a:t>
+              <a:t>6/7/2019</a:t>
             </a:fld>
             <a:endParaRPr lang="en-US" dirty="0"/>
           </a:p>
@@ -5294,7 +5295,7 @@
           <a:p>
             <a:fld id="{61BFD743-B9FB-4BA6-86A3-1B917C7380BD}" type="datetime1">
               <a:rPr lang="en-US" smtClean="0"/>
-              <a:t>6/4/2019</a:t>
+              <a:t>6/7/2019</a:t>
             </a:fld>
             <a:endParaRPr lang="en-US" dirty="0"/>
           </a:p>
@@ -5685,7 +5686,7 @@
           <a:p>
             <a:fld id="{6B587570-E790-45D7-84FE-D9AFF32DD34E}" type="datetime1">
               <a:rPr lang="en-US" smtClean="0"/>
-              <a:t>6/4/2019</a:t>
+              <a:t>6/7/2019</a:t>
             </a:fld>
             <a:endParaRPr lang="en-US" dirty="0"/>
           </a:p>
@@ -6067,7 +6068,7 @@
           <a:p>
             <a:fld id="{29B6AA42-3D7B-4AA6-9432-398E13839FA5}" type="datetime1">
               <a:rPr lang="en-US" smtClean="0"/>
-              <a:t>6/4/2019</a:t>
+              <a:t>6/7/2019</a:t>
             </a:fld>
             <a:endParaRPr lang="en-US" dirty="0"/>
           </a:p>
@@ -6353,7 +6354,7 @@
           <a:p>
             <a:fld id="{07FE8CA8-44E8-408B-BC36-EE81851D02E8}" type="datetime1">
               <a:rPr lang="en-US" smtClean="0"/>
-              <a:t>6/4/2019</a:t>
+              <a:t>6/7/2019</a:t>
             </a:fld>
             <a:endParaRPr lang="en-US" dirty="0"/>
           </a:p>
@@ -7043,7 +7044,7 @@
           <a:p>
             <a:fld id="{D6CDC20A-B52C-4E07-BB00-B88955FDC5B2}" type="datetime1">
               <a:rPr lang="en-US" smtClean="0"/>
-              <a:t>6/4/2019</a:t>
+              <a:t>6/7/2019</a:t>
             </a:fld>
             <a:endParaRPr lang="en-GB"/>
           </a:p>
@@ -7489,11 +7490,7 @@
             </a:r>
             <a:r>
               <a:rPr lang="en-GB" sz="4400" b="1" dirty="0" smtClean="0"/>
-              <a:t>, </a:t>
-            </a:r>
-            <a:r>
-              <a:rPr lang="en-GB" sz="4400" b="1" dirty="0" smtClean="0"/>
-              <a:t>DeepAK8, event </a:t>
+              <a:t>, DeepAK8, event </a:t>
             </a:r>
             <a:r>
               <a:rPr lang="en-GB" sz="4400" b="1" dirty="0" err="1" smtClean="0"/>
@@ -7599,6 +7596,229 @@
     <p:extLst>
       <p:ext uri="{BB962C8B-B14F-4D97-AF65-F5344CB8AC3E}">
         <p14:creationId xmlns:p14="http://schemas.microsoft.com/office/powerpoint/2010/main" val="237678992"/>
+      </p:ext>
+    </p:extLst>
+  </p:cSld>
+  <p:clrMapOvr>
+    <a:masterClrMapping/>
+  </p:clrMapOvr>
+  <p:timing>
+    <p:tnLst>
+      <p:par>
+        <p:cTn id="1" dur="indefinite" restart="never" nodeType="tmRoot"/>
+      </p:par>
+    </p:tnLst>
+  </p:timing>
+</p:sld>
+</file>
+
+<file path=ppt/slides/slide10.xml><?xml version="1.0" encoding="utf-8"?>
+<p:sld xmlns:a="http://schemas.openxmlformats.org/drawingml/2006/main" xmlns:r="http://schemas.openxmlformats.org/officeDocument/2006/relationships" xmlns:p="http://schemas.openxmlformats.org/presentationml/2006/main">
+  <p:cSld>
+    <p:spTree>
+      <p:nvGrpSpPr>
+        <p:cNvPr id="1" name=""/>
+        <p:cNvGrpSpPr/>
+        <p:nvPr/>
+      </p:nvGrpSpPr>
+      <p:grpSpPr>
+        <a:xfrm>
+          <a:off x="0" y="0"/>
+          <a:ext cx="0" cy="0"/>
+          <a:chOff x="0" y="0"/>
+          <a:chExt cx="0" cy="0"/>
+        </a:xfrm>
+      </p:grpSpPr>
+      <p:sp>
+        <p:nvSpPr>
+          <p:cNvPr id="2" name="Date Placeholder 1"/>
+          <p:cNvSpPr>
+            <a:spLocks noGrp="1"/>
+          </p:cNvSpPr>
+          <p:nvPr>
+            <p:ph type="dt" sz="half" idx="10"/>
+          </p:nvPr>
+        </p:nvSpPr>
+        <p:spPr/>
+        <p:txBody>
+          <a:bodyPr/>
+          <a:lstStyle/>
+          <a:p>
+            <a:fld id="{0352E882-488E-400B-936A-CB5B2D36F118}" type="datetime1">
+              <a:rPr lang="en-US" smtClean="0"/>
+              <a:t>6/7/2019</a:t>
+            </a:fld>
+            <a:endParaRPr lang="en-US" dirty="0"/>
+          </a:p>
+        </p:txBody>
+      </p:sp>
+      <p:sp>
+        <p:nvSpPr>
+          <p:cNvPr id="3" name="Footer Placeholder 2"/>
+          <p:cNvSpPr>
+            <a:spLocks noGrp="1"/>
+          </p:cNvSpPr>
+          <p:nvPr>
+            <p:ph type="ftr" sz="quarter" idx="11"/>
+          </p:nvPr>
+        </p:nvSpPr>
+        <p:spPr/>
+        <p:txBody>
+          <a:bodyPr/>
+          <a:lstStyle/>
+          <a:p>
+            <a:r>
+              <a:rPr lang="fi-FI" smtClean="0"/>
+              <a:t>NTUA I. Papakrivopoulos, G. Bakas</a:t>
+            </a:r>
+            <a:endParaRPr lang="en-US" dirty="0"/>
+          </a:p>
+        </p:txBody>
+      </p:sp>
+      <p:sp>
+        <p:nvSpPr>
+          <p:cNvPr id="4" name="Slide Number Placeholder 3"/>
+          <p:cNvSpPr>
+            <a:spLocks noGrp="1"/>
+          </p:cNvSpPr>
+          <p:nvPr>
+            <p:ph type="sldNum" sz="quarter" idx="12"/>
+          </p:nvPr>
+        </p:nvSpPr>
+        <p:spPr/>
+        <p:txBody>
+          <a:bodyPr/>
+          <a:lstStyle/>
+          <a:p>
+            <a:fld id="{4FAB73BC-B049-4115-A692-8D63A059BFB8}" type="slidenum">
+              <a:rPr lang="en-US" smtClean="0"/>
+              <a:pPr/>
+              <a:t>10</a:t>
+            </a:fld>
+            <a:endParaRPr lang="en-US" dirty="0"/>
+          </a:p>
+        </p:txBody>
+      </p:sp>
+      <p:sp>
+        <p:nvSpPr>
+          <p:cNvPr id="7" name="TextBox 6"/>
+          <p:cNvSpPr txBox="1"/>
+          <p:nvPr/>
+        </p:nvSpPr>
+        <p:spPr>
+          <a:xfrm>
+            <a:off x="6747309" y="2916455"/>
+            <a:ext cx="184731" cy="369332"/>
+          </a:xfrm>
+          <a:prstGeom prst="rect">
+            <a:avLst/>
+          </a:prstGeom>
+          <a:noFill/>
+        </p:spPr>
+        <p:txBody>
+          <a:bodyPr wrap="none" rtlCol="0">
+            <a:spAutoFit/>
+          </a:bodyPr>
+          <a:lstStyle/>
+          <a:p>
+            <a:endParaRPr lang="en-GB" dirty="0"/>
+          </a:p>
+        </p:txBody>
+      </p:sp>
+      <p:pic>
+        <p:nvPicPr>
+          <p:cNvPr id="5" name="Picture 4"/>
+          <p:cNvPicPr>
+            <a:picLocks noChangeAspect="1"/>
+          </p:cNvPicPr>
+          <p:nvPr/>
+        </p:nvPicPr>
+        <p:blipFill>
+          <a:blip r:embed="rId2">
+            <a:extLst>
+              <a:ext uri="{28A0092B-C50C-407E-A947-70E740481C1C}">
+                <a14:useLocalDpi xmlns:a14="http://schemas.microsoft.com/office/drawing/2010/main" val="0"/>
+              </a:ext>
+            </a:extLst>
+          </a:blip>
+          <a:stretch>
+            <a:fillRect/>
+          </a:stretch>
+        </p:blipFill>
+        <p:spPr>
+          <a:xfrm>
+            <a:off x="6224103" y="1147037"/>
+            <a:ext cx="5651183" cy="4639151"/>
+          </a:xfrm>
+          <a:prstGeom prst="rect">
+            <a:avLst/>
+          </a:prstGeom>
+        </p:spPr>
+      </p:pic>
+      <p:pic>
+        <p:nvPicPr>
+          <p:cNvPr id="6" name="Picture 5"/>
+          <p:cNvPicPr>
+            <a:picLocks noChangeAspect="1"/>
+          </p:cNvPicPr>
+          <p:nvPr/>
+        </p:nvPicPr>
+        <p:blipFill>
+          <a:blip r:embed="rId3">
+            <a:extLst>
+              <a:ext uri="{28A0092B-C50C-407E-A947-70E740481C1C}">
+                <a14:useLocalDpi xmlns:a14="http://schemas.microsoft.com/office/drawing/2010/main" val="0"/>
+              </a:ext>
+            </a:extLst>
+          </a:blip>
+          <a:stretch>
+            <a:fillRect/>
+          </a:stretch>
+        </p:blipFill>
+        <p:spPr>
+          <a:xfrm>
+            <a:off x="446404" y="1131539"/>
+            <a:ext cx="5651183" cy="4639151"/>
+          </a:xfrm>
+          <a:prstGeom prst="rect">
+            <a:avLst/>
+          </a:prstGeom>
+        </p:spPr>
+      </p:pic>
+      <p:sp>
+        <p:nvSpPr>
+          <p:cNvPr id="11" name="TextBox 10"/>
+          <p:cNvSpPr txBox="1"/>
+          <p:nvPr/>
+        </p:nvSpPr>
+        <p:spPr>
+          <a:xfrm>
+            <a:off x="643812" y="298580"/>
+            <a:ext cx="9657184" cy="369332"/>
+          </a:xfrm>
+          <a:prstGeom prst="rect">
+            <a:avLst/>
+          </a:prstGeom>
+          <a:noFill/>
+        </p:spPr>
+        <p:txBody>
+          <a:bodyPr wrap="square" rtlCol="0">
+            <a:spAutoFit/>
+          </a:bodyPr>
+          <a:lstStyle/>
+          <a:p>
+            <a:r>
+              <a:rPr lang="en-US" u="sng" dirty="0" smtClean="0"/>
+              <a:t>QCD Closure Tests</a:t>
+            </a:r>
+            <a:endParaRPr lang="en-GB" u="sng" dirty="0"/>
+          </a:p>
+        </p:txBody>
+      </p:sp>
+    </p:spTree>
+    <p:extLst>
+      <p:ext uri="{BB962C8B-B14F-4D97-AF65-F5344CB8AC3E}">
+        <p14:creationId xmlns:p14="http://schemas.microsoft.com/office/powerpoint/2010/main" val="2573900045"/>
       </p:ext>
     </p:extLst>
   </p:cSld>
@@ -7649,7 +7869,7 @@
           <a:p>
             <a:fld id="{F7D08143-D8EF-4C1A-A7BC-0DD89FCC0194}" type="datetime1">
               <a:rPr lang="en-US" smtClean="0"/>
-              <a:t>6/4/2019</a:t>
+              <a:t>6/7/2019</a:t>
             </a:fld>
             <a:endParaRPr lang="en-US"/>
           </a:p>
@@ -8967,7 +9187,7 @@
           <a:p>
             <a:fld id="{F18C97DA-3015-4AEC-8D39-6326FA6794D2}" type="datetime1">
               <a:rPr lang="en-US" smtClean="0"/>
-              <a:t>6/4/2019</a:t>
+              <a:t>6/7/2019</a:t>
             </a:fld>
             <a:endParaRPr lang="en-US" dirty="0"/>
           </a:p>
@@ -9228,7 +9448,7 @@
           <a:p>
             <a:fld id="{1285AF8F-1CA5-4F19-8386-707CCF4DE86E}" type="datetime1">
               <a:rPr lang="en-US" smtClean="0"/>
-              <a:t>6/4/2019</a:t>
+              <a:t>6/7/2019</a:t>
             </a:fld>
             <a:endParaRPr lang="en-US" dirty="0"/>
           </a:p>
@@ -9459,7 +9679,7 @@
           <a:p>
             <a:fld id="{1D514A23-516D-43F1-986D-597660D396FC}" type="datetime1">
               <a:rPr lang="en-US" smtClean="0"/>
-              <a:t>6/4/2019</a:t>
+              <a:t>6/7/2019</a:t>
             </a:fld>
             <a:endParaRPr lang="en-US" dirty="0"/>
           </a:p>
@@ -9690,7 +9910,7 @@
           <a:p>
             <a:fld id="{656A6870-60C0-4EAA-8F9A-9B155254C096}" type="datetime1">
               <a:rPr lang="en-US" smtClean="0"/>
-              <a:t>6/4/2019</a:t>
+              <a:t>6/7/2019</a:t>
             </a:fld>
             <a:endParaRPr lang="en-US" dirty="0"/>
           </a:p>
@@ -9921,7 +10141,7 @@
           <a:p>
             <a:fld id="{3FD2968F-0741-428B-8AEA-AB37EA876EDD}" type="datetime1">
               <a:rPr lang="en-US" smtClean="0"/>
-              <a:t>6/4/2019</a:t>
+              <a:t>6/7/2019</a:t>
             </a:fld>
             <a:endParaRPr lang="en-US" dirty="0"/>
           </a:p>
@@ -10204,7 +10424,7 @@
           <a:p>
             <a:fld id="{BD45B9A2-A59C-42C2-B82A-45613660DD90}" type="datetime1">
               <a:rPr lang="en-US" smtClean="0"/>
-              <a:t>6/4/2019</a:t>
+              <a:t>6/7/2019</a:t>
             </a:fld>
             <a:endParaRPr lang="en-US" dirty="0"/>
           </a:p>
@@ -10487,7 +10707,7 @@
           <a:p>
             <a:fld id="{0352E882-488E-400B-936A-CB5B2D36F118}" type="datetime1">
               <a:rPr lang="en-US" smtClean="0"/>
-              <a:t>6/4/2019</a:t>
+              <a:t>6/7/2019</a:t>
             </a:fld>
             <a:endParaRPr lang="en-US" dirty="0"/>
           </a:p>

--- a/Documents for Progress/topTagger_deepAK8_decor_comparison.pptx
+++ b/Documents for Progress/topTagger_deepAK8_decor_comparison.pptx
@@ -482,35 +482,35 @@
           <a:p>
             <a:pPr lvl="0"/>
             <a:r>
-              <a:rPr lang="en-US" smtClean="0"/>
+              <a:rPr lang="en-US"/>
               <a:t>Edit Master text styles</a:t>
             </a:r>
           </a:p>
           <a:p>
             <a:pPr lvl="1"/>
             <a:r>
-              <a:rPr lang="en-US" smtClean="0"/>
+              <a:rPr lang="en-US"/>
               <a:t>Second level</a:t>
             </a:r>
           </a:p>
           <a:p>
             <a:pPr lvl="2"/>
             <a:r>
-              <a:rPr lang="en-US" smtClean="0"/>
+              <a:rPr lang="en-US"/>
               <a:t>Third level</a:t>
             </a:r>
           </a:p>
           <a:p>
             <a:pPr lvl="3"/>
             <a:r>
-              <a:rPr lang="en-US" smtClean="0"/>
+              <a:rPr lang="en-US"/>
               <a:t>Fourth level</a:t>
             </a:r>
           </a:p>
           <a:p>
             <a:pPr lvl="4"/>
             <a:r>
-              <a:rPr lang="en-US" smtClean="0"/>
+              <a:rPr lang="en-US"/>
               <a:t>Fifth level</a:t>
             </a:r>
             <a:endParaRPr lang="en-GB"/>
@@ -924,7 +924,7 @@
           </a:lstStyle>
           <a:p>
             <a:r>
-              <a:rPr lang="en-US" smtClean="0"/>
+              <a:rPr lang="en-US"/>
               <a:t>Click to edit Master title style</a:t>
             </a:r>
             <a:endParaRPr lang="en-US" dirty="0"/>
@@ -996,7 +996,7 @@
           </a:lstStyle>
           <a:p>
             <a:r>
-              <a:rPr lang="en-US" smtClean="0"/>
+              <a:rPr lang="en-US"/>
               <a:t>Click to edit Master subtitle style</a:t>
             </a:r>
             <a:endParaRPr lang="en-US" dirty="0"/>
@@ -1020,7 +1020,7 @@
           <a:p>
             <a:fld id="{B896338F-215D-4A23-B45D-A601457D9147}" type="datetime1">
               <a:rPr lang="en-US" smtClean="0"/>
-              <a:t>6/4/2019</a:t>
+              <a:t>6/4/19</a:t>
             </a:fld>
             <a:endParaRPr lang="en-US" dirty="0"/>
           </a:p>
@@ -1042,7 +1042,7 @@
           <a:lstStyle/>
           <a:p>
             <a:r>
-              <a:rPr lang="fi-FI" smtClean="0"/>
+              <a:rPr lang="fi-FI"/>
               <a:t>NTUA I. Papakrivopoulos, G. Bakas</a:t>
             </a:r>
             <a:endParaRPr lang="en-US" dirty="0"/>
@@ -1151,7 +1151,7 @@
           <a:lstStyle/>
           <a:p>
             <a:r>
-              <a:rPr lang="en-US" smtClean="0"/>
+              <a:rPr lang="en-US"/>
               <a:t>Click to edit Master title style</a:t>
             </a:r>
             <a:endParaRPr lang="en-US" dirty="0"/>
@@ -1175,35 +1175,35 @@
           <a:p>
             <a:pPr lvl="0"/>
             <a:r>
-              <a:rPr lang="en-US" smtClean="0"/>
+              <a:rPr lang="en-US"/>
               <a:t>Edit Master text styles</a:t>
             </a:r>
           </a:p>
           <a:p>
             <a:pPr lvl="1"/>
             <a:r>
-              <a:rPr lang="en-US" smtClean="0"/>
+              <a:rPr lang="en-US"/>
               <a:t>Second level</a:t>
             </a:r>
           </a:p>
           <a:p>
             <a:pPr lvl="2"/>
             <a:r>
-              <a:rPr lang="en-US" smtClean="0"/>
+              <a:rPr lang="en-US"/>
               <a:t>Third level</a:t>
             </a:r>
           </a:p>
           <a:p>
             <a:pPr lvl="3"/>
             <a:r>
-              <a:rPr lang="en-US" smtClean="0"/>
+              <a:rPr lang="en-US"/>
               <a:t>Fourth level</a:t>
             </a:r>
           </a:p>
           <a:p>
             <a:pPr lvl="4"/>
             <a:r>
-              <a:rPr lang="en-US" smtClean="0"/>
+              <a:rPr lang="en-US"/>
               <a:t>Fifth level</a:t>
             </a:r>
             <a:endParaRPr lang="en-US" dirty="0"/>
@@ -1227,7 +1227,7 @@
           <a:p>
             <a:fld id="{352F140F-AA80-4428-9056-21FB2C5EC325}" type="datetime1">
               <a:rPr lang="en-US" smtClean="0"/>
-              <a:t>6/4/2019</a:t>
+              <a:t>6/4/19</a:t>
             </a:fld>
             <a:endParaRPr lang="en-US" dirty="0"/>
           </a:p>
@@ -1249,7 +1249,7 @@
           <a:lstStyle/>
           <a:p>
             <a:r>
-              <a:rPr lang="fi-FI" smtClean="0"/>
+              <a:rPr lang="fi-FI"/>
               <a:t>NTUA I. Papakrivopoulos, G. Bakas</a:t>
             </a:r>
             <a:endParaRPr lang="en-US" dirty="0"/>
@@ -1401,7 +1401,7 @@
           <a:lstStyle/>
           <a:p>
             <a:r>
-              <a:rPr lang="en-US" smtClean="0"/>
+              <a:rPr lang="en-US"/>
               <a:t>Click to edit Master title style</a:t>
             </a:r>
             <a:endParaRPr lang="en-US" dirty="0"/>
@@ -1430,35 +1430,35 @@
           <a:p>
             <a:pPr lvl="0"/>
             <a:r>
-              <a:rPr lang="en-US" smtClean="0"/>
+              <a:rPr lang="en-US"/>
               <a:t>Edit Master text styles</a:t>
             </a:r>
           </a:p>
           <a:p>
             <a:pPr lvl="1"/>
             <a:r>
-              <a:rPr lang="en-US" smtClean="0"/>
+              <a:rPr lang="en-US"/>
               <a:t>Second level</a:t>
             </a:r>
           </a:p>
           <a:p>
             <a:pPr lvl="2"/>
             <a:r>
-              <a:rPr lang="en-US" smtClean="0"/>
+              <a:rPr lang="en-US"/>
               <a:t>Third level</a:t>
             </a:r>
           </a:p>
           <a:p>
             <a:pPr lvl="3"/>
             <a:r>
-              <a:rPr lang="en-US" smtClean="0"/>
+              <a:rPr lang="en-US"/>
               <a:t>Fourth level</a:t>
             </a:r>
           </a:p>
           <a:p>
             <a:pPr lvl="4"/>
             <a:r>
-              <a:rPr lang="en-US" smtClean="0"/>
+              <a:rPr lang="en-US"/>
               <a:t>Fifth level</a:t>
             </a:r>
             <a:endParaRPr lang="en-US" dirty="0"/>
@@ -1482,7 +1482,7 @@
           <a:p>
             <a:fld id="{2399EED5-3CCA-4927-AAA1-2F12E6928899}" type="datetime1">
               <a:rPr lang="en-US" smtClean="0"/>
-              <a:t>6/4/2019</a:t>
+              <a:t>6/4/19</a:t>
             </a:fld>
             <a:endParaRPr lang="en-US" dirty="0"/>
           </a:p>
@@ -1504,7 +1504,7 @@
           <a:lstStyle/>
           <a:p>
             <a:r>
-              <a:rPr lang="fi-FI" smtClean="0"/>
+              <a:rPr lang="fi-FI"/>
               <a:t>NTUA I. Papakrivopoulos, G. Bakas</a:t>
             </a:r>
             <a:endParaRPr lang="en-US" dirty="0"/>
@@ -1584,7 +1584,7 @@
           </a:lstStyle>
           <a:p>
             <a:r>
-              <a:rPr lang="en-US" smtClean="0"/>
+              <a:rPr lang="en-US"/>
               <a:t>Click to edit Master title style</a:t>
             </a:r>
             <a:endParaRPr lang="en-GB"/>
@@ -1649,7 +1649,7 @@
           </a:lstStyle>
           <a:p>
             <a:r>
-              <a:rPr lang="en-US" smtClean="0"/>
+              <a:rPr lang="en-US"/>
               <a:t>Click to edit Master subtitle style</a:t>
             </a:r>
             <a:endParaRPr lang="en-GB"/>
@@ -1673,7 +1673,7 @@
           <a:p>
             <a:fld id="{CB6B0CBA-FF60-4811-8607-F7E86397D9BD}" type="datetime1">
               <a:rPr lang="en-US" smtClean="0"/>
-              <a:t>6/4/2019</a:t>
+              <a:t>6/4/19</a:t>
             </a:fld>
             <a:endParaRPr lang="en-GB"/>
           </a:p>
@@ -1695,7 +1695,7 @@
           <a:lstStyle/>
           <a:p>
             <a:r>
-              <a:rPr lang="fi-FI" smtClean="0"/>
+              <a:rPr lang="fi-FI"/>
               <a:t>NTUA I. Papakrivopoulos, G. Bakas</a:t>
             </a:r>
             <a:endParaRPr lang="en-GB"/>
@@ -1771,7 +1771,7 @@
           <a:lstStyle/>
           <a:p>
             <a:r>
-              <a:rPr lang="en-US" smtClean="0"/>
+              <a:rPr lang="en-US"/>
               <a:t>Click to edit Master title style</a:t>
             </a:r>
             <a:endParaRPr lang="en-GB"/>
@@ -1795,35 +1795,35 @@
           <a:p>
             <a:pPr lvl="0"/>
             <a:r>
-              <a:rPr lang="en-US" smtClean="0"/>
+              <a:rPr lang="en-US"/>
               <a:t>Edit Master text styles</a:t>
             </a:r>
           </a:p>
           <a:p>
             <a:pPr lvl="1"/>
             <a:r>
-              <a:rPr lang="en-US" smtClean="0"/>
+              <a:rPr lang="en-US"/>
               <a:t>Second level</a:t>
             </a:r>
           </a:p>
           <a:p>
             <a:pPr lvl="2"/>
             <a:r>
-              <a:rPr lang="en-US" smtClean="0"/>
+              <a:rPr lang="en-US"/>
               <a:t>Third level</a:t>
             </a:r>
           </a:p>
           <a:p>
             <a:pPr lvl="3"/>
             <a:r>
-              <a:rPr lang="en-US" smtClean="0"/>
+              <a:rPr lang="en-US"/>
               <a:t>Fourth level</a:t>
             </a:r>
           </a:p>
           <a:p>
             <a:pPr lvl="4"/>
             <a:r>
-              <a:rPr lang="en-US" smtClean="0"/>
+              <a:rPr lang="en-US"/>
               <a:t>Fifth level</a:t>
             </a:r>
             <a:endParaRPr lang="en-GB"/>
@@ -1847,7 +1847,7 @@
           <a:p>
             <a:fld id="{B93E4C17-F659-4125-A931-F8EFACEFBEB6}" type="datetime1">
               <a:rPr lang="en-US" smtClean="0"/>
-              <a:t>6/4/2019</a:t>
+              <a:t>6/4/19</a:t>
             </a:fld>
             <a:endParaRPr lang="en-GB"/>
           </a:p>
@@ -1869,7 +1869,7 @@
           <a:lstStyle/>
           <a:p>
             <a:r>
-              <a:rPr lang="fi-FI" smtClean="0"/>
+              <a:rPr lang="fi-FI"/>
               <a:t>NTUA I. Papakrivopoulos, G. Bakas</a:t>
             </a:r>
             <a:endParaRPr lang="en-GB"/>
@@ -1954,7 +1954,7 @@
           </a:lstStyle>
           <a:p>
             <a:r>
-              <a:rPr lang="en-US" smtClean="0"/>
+              <a:rPr lang="en-US"/>
               <a:t>Click to edit Master title style</a:t>
             </a:r>
             <a:endParaRPr lang="en-GB"/>
@@ -2074,7 +2074,7 @@
           <a:p>
             <a:pPr lvl="0"/>
             <a:r>
-              <a:rPr lang="en-US" smtClean="0"/>
+              <a:rPr lang="en-US"/>
               <a:t>Edit Master text styles</a:t>
             </a:r>
           </a:p>
@@ -2097,7 +2097,7 @@
           <a:p>
             <a:fld id="{66E2C448-DF2E-4E50-B89E-6498937F3145}" type="datetime1">
               <a:rPr lang="en-US" smtClean="0"/>
-              <a:t>6/4/2019</a:t>
+              <a:t>6/4/19</a:t>
             </a:fld>
             <a:endParaRPr lang="en-GB"/>
           </a:p>
@@ -2119,7 +2119,7 @@
           <a:lstStyle/>
           <a:p>
             <a:r>
-              <a:rPr lang="fi-FI" smtClean="0"/>
+              <a:rPr lang="fi-FI"/>
               <a:t>NTUA I. Papakrivopoulos, G. Bakas</a:t>
             </a:r>
             <a:endParaRPr lang="en-GB"/>
@@ -2195,7 +2195,7 @@
           <a:lstStyle/>
           <a:p>
             <a:r>
-              <a:rPr lang="en-US" smtClean="0"/>
+              <a:rPr lang="en-US"/>
               <a:t>Click to edit Master title style</a:t>
             </a:r>
             <a:endParaRPr lang="en-GB"/>
@@ -2224,35 +2224,35 @@
           <a:p>
             <a:pPr lvl="0"/>
             <a:r>
-              <a:rPr lang="en-US" smtClean="0"/>
+              <a:rPr lang="en-US"/>
               <a:t>Edit Master text styles</a:t>
             </a:r>
           </a:p>
           <a:p>
             <a:pPr lvl="1"/>
             <a:r>
-              <a:rPr lang="en-US" smtClean="0"/>
+              <a:rPr lang="en-US"/>
               <a:t>Second level</a:t>
             </a:r>
           </a:p>
           <a:p>
             <a:pPr lvl="2"/>
             <a:r>
-              <a:rPr lang="en-US" smtClean="0"/>
+              <a:rPr lang="en-US"/>
               <a:t>Third level</a:t>
             </a:r>
           </a:p>
           <a:p>
             <a:pPr lvl="3"/>
             <a:r>
-              <a:rPr lang="en-US" smtClean="0"/>
+              <a:rPr lang="en-US"/>
               <a:t>Fourth level</a:t>
             </a:r>
           </a:p>
           <a:p>
             <a:pPr lvl="4"/>
             <a:r>
-              <a:rPr lang="en-US" smtClean="0"/>
+              <a:rPr lang="en-US"/>
               <a:t>Fifth level</a:t>
             </a:r>
             <a:endParaRPr lang="en-GB"/>
@@ -2281,35 +2281,35 @@
           <a:p>
             <a:pPr lvl="0"/>
             <a:r>
-              <a:rPr lang="en-US" smtClean="0"/>
+              <a:rPr lang="en-US"/>
               <a:t>Edit Master text styles</a:t>
             </a:r>
           </a:p>
           <a:p>
             <a:pPr lvl="1"/>
             <a:r>
-              <a:rPr lang="en-US" smtClean="0"/>
+              <a:rPr lang="en-US"/>
               <a:t>Second level</a:t>
             </a:r>
           </a:p>
           <a:p>
             <a:pPr lvl="2"/>
             <a:r>
-              <a:rPr lang="en-US" smtClean="0"/>
+              <a:rPr lang="en-US"/>
               <a:t>Third level</a:t>
             </a:r>
           </a:p>
           <a:p>
             <a:pPr lvl="3"/>
             <a:r>
-              <a:rPr lang="en-US" smtClean="0"/>
+              <a:rPr lang="en-US"/>
               <a:t>Fourth level</a:t>
             </a:r>
           </a:p>
           <a:p>
             <a:pPr lvl="4"/>
             <a:r>
-              <a:rPr lang="en-US" smtClean="0"/>
+              <a:rPr lang="en-US"/>
               <a:t>Fifth level</a:t>
             </a:r>
             <a:endParaRPr lang="en-GB"/>
@@ -2333,7 +2333,7 @@
           <a:p>
             <a:fld id="{A47B6549-CDFE-4D95-A06B-8595A8A6E5A6}" type="datetime1">
               <a:rPr lang="en-US" smtClean="0"/>
-              <a:t>6/4/2019</a:t>
+              <a:t>6/4/19</a:t>
             </a:fld>
             <a:endParaRPr lang="en-GB"/>
           </a:p>
@@ -2355,7 +2355,7 @@
           <a:lstStyle/>
           <a:p>
             <a:r>
-              <a:rPr lang="fi-FI" smtClean="0"/>
+              <a:rPr lang="fi-FI"/>
               <a:t>NTUA I. Papakrivopoulos, G. Bakas</a:t>
             </a:r>
             <a:endParaRPr lang="en-GB"/>
@@ -2436,7 +2436,7 @@
           <a:lstStyle/>
           <a:p>
             <a:r>
-              <a:rPr lang="en-US" smtClean="0"/>
+              <a:rPr lang="en-US"/>
               <a:t>Click to edit Master title style</a:t>
             </a:r>
             <a:endParaRPr lang="en-GB"/>
@@ -2502,7 +2502,7 @@
           <a:p>
             <a:pPr lvl="0"/>
             <a:r>
-              <a:rPr lang="en-US" smtClean="0"/>
+              <a:rPr lang="en-US"/>
               <a:t>Edit Master text styles</a:t>
             </a:r>
           </a:p>
@@ -2530,35 +2530,35 @@
           <a:p>
             <a:pPr lvl="0"/>
             <a:r>
-              <a:rPr lang="en-US" smtClean="0"/>
+              <a:rPr lang="en-US"/>
               <a:t>Edit Master text styles</a:t>
             </a:r>
           </a:p>
           <a:p>
             <a:pPr lvl="1"/>
             <a:r>
-              <a:rPr lang="en-US" smtClean="0"/>
+              <a:rPr lang="en-US"/>
               <a:t>Second level</a:t>
             </a:r>
           </a:p>
           <a:p>
             <a:pPr lvl="2"/>
             <a:r>
-              <a:rPr lang="en-US" smtClean="0"/>
+              <a:rPr lang="en-US"/>
               <a:t>Third level</a:t>
             </a:r>
           </a:p>
           <a:p>
             <a:pPr lvl="3"/>
             <a:r>
-              <a:rPr lang="en-US" smtClean="0"/>
+              <a:rPr lang="en-US"/>
               <a:t>Fourth level</a:t>
             </a:r>
           </a:p>
           <a:p>
             <a:pPr lvl="4"/>
             <a:r>
-              <a:rPr lang="en-US" smtClean="0"/>
+              <a:rPr lang="en-US"/>
               <a:t>Fifth level</a:t>
             </a:r>
             <a:endParaRPr lang="en-GB"/>
@@ -2624,7 +2624,7 @@
           <a:p>
             <a:pPr lvl="0"/>
             <a:r>
-              <a:rPr lang="en-US" smtClean="0"/>
+              <a:rPr lang="en-US"/>
               <a:t>Edit Master text styles</a:t>
             </a:r>
           </a:p>
@@ -2652,35 +2652,35 @@
           <a:p>
             <a:pPr lvl="0"/>
             <a:r>
-              <a:rPr lang="en-US" smtClean="0"/>
+              <a:rPr lang="en-US"/>
               <a:t>Edit Master text styles</a:t>
             </a:r>
           </a:p>
           <a:p>
             <a:pPr lvl="1"/>
             <a:r>
-              <a:rPr lang="en-US" smtClean="0"/>
+              <a:rPr lang="en-US"/>
               <a:t>Second level</a:t>
             </a:r>
           </a:p>
           <a:p>
             <a:pPr lvl="2"/>
             <a:r>
-              <a:rPr lang="en-US" smtClean="0"/>
+              <a:rPr lang="en-US"/>
               <a:t>Third level</a:t>
             </a:r>
           </a:p>
           <a:p>
             <a:pPr lvl="3"/>
             <a:r>
-              <a:rPr lang="en-US" smtClean="0"/>
+              <a:rPr lang="en-US"/>
               <a:t>Fourth level</a:t>
             </a:r>
           </a:p>
           <a:p>
             <a:pPr lvl="4"/>
             <a:r>
-              <a:rPr lang="en-US" smtClean="0"/>
+              <a:rPr lang="en-US"/>
               <a:t>Fifth level</a:t>
             </a:r>
             <a:endParaRPr lang="en-GB"/>
@@ -2704,7 +2704,7 @@
           <a:p>
             <a:fld id="{B7DFA27F-A9EC-4FBB-A989-C3FDD60FA389}" type="datetime1">
               <a:rPr lang="en-US" smtClean="0"/>
-              <a:t>6/4/2019</a:t>
+              <a:t>6/4/19</a:t>
             </a:fld>
             <a:endParaRPr lang="en-GB"/>
           </a:p>
@@ -2726,7 +2726,7 @@
           <a:lstStyle/>
           <a:p>
             <a:r>
-              <a:rPr lang="fi-FI" smtClean="0"/>
+              <a:rPr lang="fi-FI"/>
               <a:t>NTUA I. Papakrivopoulos, G. Bakas</a:t>
             </a:r>
             <a:endParaRPr lang="en-GB"/>
@@ -2802,7 +2802,7 @@
           <a:lstStyle/>
           <a:p>
             <a:r>
-              <a:rPr lang="en-US" smtClean="0"/>
+              <a:rPr lang="en-US"/>
               <a:t>Click to edit Master title style</a:t>
             </a:r>
             <a:endParaRPr lang="en-GB"/>
@@ -2826,7 +2826,7 @@
           <a:p>
             <a:fld id="{32915C94-C382-4E3D-BB65-9DCA768CD95C}" type="datetime1">
               <a:rPr lang="en-US" smtClean="0"/>
-              <a:t>6/4/2019</a:t>
+              <a:t>6/4/19</a:t>
             </a:fld>
             <a:endParaRPr lang="en-GB"/>
           </a:p>
@@ -2848,7 +2848,7 @@
           <a:lstStyle/>
           <a:p>
             <a:r>
-              <a:rPr lang="fi-FI" smtClean="0"/>
+              <a:rPr lang="fi-FI"/>
               <a:t>NTUA I. Papakrivopoulos, G. Bakas</a:t>
             </a:r>
             <a:endParaRPr lang="en-GB"/>
@@ -2925,7 +2925,7 @@
           <a:p>
             <a:fld id="{8B00D2E8-BB89-4E5A-AC7F-E0D9B477EA9A}" type="datetime1">
               <a:rPr lang="en-US" smtClean="0"/>
-              <a:t>6/4/2019</a:t>
+              <a:t>6/4/19</a:t>
             </a:fld>
             <a:endParaRPr lang="en-GB"/>
           </a:p>
@@ -2947,7 +2947,7 @@
           <a:lstStyle/>
           <a:p>
             <a:r>
-              <a:rPr lang="fi-FI" smtClean="0"/>
+              <a:rPr lang="fi-FI"/>
               <a:t>NTUA I. Papakrivopoulos, G. Bakas</a:t>
             </a:r>
             <a:endParaRPr lang="en-GB"/>
@@ -3032,7 +3032,7 @@
           </a:lstStyle>
           <a:p>
             <a:r>
-              <a:rPr lang="en-US" smtClean="0"/>
+              <a:rPr lang="en-US"/>
               <a:t>Click to edit Master title style</a:t>
             </a:r>
             <a:endParaRPr lang="en-GB"/>
@@ -3089,35 +3089,35 @@
           <a:p>
             <a:pPr lvl="0"/>
             <a:r>
-              <a:rPr lang="en-US" smtClean="0"/>
+              <a:rPr lang="en-US"/>
               <a:t>Edit Master text styles</a:t>
             </a:r>
           </a:p>
           <a:p>
             <a:pPr lvl="1"/>
             <a:r>
-              <a:rPr lang="en-US" smtClean="0"/>
+              <a:rPr lang="en-US"/>
               <a:t>Second level</a:t>
             </a:r>
           </a:p>
           <a:p>
             <a:pPr lvl="2"/>
             <a:r>
-              <a:rPr lang="en-US" smtClean="0"/>
+              <a:rPr lang="en-US"/>
               <a:t>Third level</a:t>
             </a:r>
           </a:p>
           <a:p>
             <a:pPr lvl="3"/>
             <a:r>
-              <a:rPr lang="en-US" smtClean="0"/>
+              <a:rPr lang="en-US"/>
               <a:t>Fourth level</a:t>
             </a:r>
           </a:p>
           <a:p>
             <a:pPr lvl="4"/>
             <a:r>
-              <a:rPr lang="en-US" smtClean="0"/>
+              <a:rPr lang="en-US"/>
               <a:t>Fifth level</a:t>
             </a:r>
             <a:endParaRPr lang="en-GB"/>
@@ -3183,7 +3183,7 @@
           <a:p>
             <a:pPr lvl="0"/>
             <a:r>
-              <a:rPr lang="en-US" smtClean="0"/>
+              <a:rPr lang="en-US"/>
               <a:t>Edit Master text styles</a:t>
             </a:r>
           </a:p>
@@ -3206,7 +3206,7 @@
           <a:p>
             <a:fld id="{CD80CFFC-1D67-44CF-AADC-1A2BD7892FA5}" type="datetime1">
               <a:rPr lang="en-US" smtClean="0"/>
-              <a:t>6/4/2019</a:t>
+              <a:t>6/4/19</a:t>
             </a:fld>
             <a:endParaRPr lang="en-GB"/>
           </a:p>
@@ -3228,7 +3228,7 @@
           <a:lstStyle/>
           <a:p>
             <a:r>
-              <a:rPr lang="fi-FI" smtClean="0"/>
+              <a:rPr lang="fi-FI"/>
               <a:t>NTUA I. Papakrivopoulos, G. Bakas</a:t>
             </a:r>
             <a:endParaRPr lang="en-GB"/>
@@ -3310,35 +3310,35 @@
           <a:p>
             <a:pPr lvl="0"/>
             <a:r>
-              <a:rPr lang="en-US" smtClean="0"/>
+              <a:rPr lang="en-US"/>
               <a:t>Edit Master text styles</a:t>
             </a:r>
           </a:p>
           <a:p>
             <a:pPr lvl="1"/>
             <a:r>
-              <a:rPr lang="en-US" smtClean="0"/>
+              <a:rPr lang="en-US"/>
               <a:t>Second level</a:t>
             </a:r>
           </a:p>
           <a:p>
             <a:pPr lvl="2"/>
             <a:r>
-              <a:rPr lang="en-US" smtClean="0"/>
+              <a:rPr lang="en-US"/>
               <a:t>Third level</a:t>
             </a:r>
           </a:p>
           <a:p>
             <a:pPr lvl="3"/>
             <a:r>
-              <a:rPr lang="en-US" smtClean="0"/>
+              <a:rPr lang="en-US"/>
               <a:t>Fourth level</a:t>
             </a:r>
           </a:p>
           <a:p>
             <a:pPr lvl="4"/>
             <a:r>
-              <a:rPr lang="en-US" smtClean="0"/>
+              <a:rPr lang="en-US"/>
               <a:t>Fifth level</a:t>
             </a:r>
             <a:endParaRPr lang="en-US" dirty="0"/>
@@ -3362,7 +3362,7 @@
           <a:p>
             <a:fld id="{920F7B6F-CD40-4554-AB7B-3D8F570A961C}" type="datetime1">
               <a:rPr lang="en-US" smtClean="0"/>
-              <a:t>6/4/2019</a:t>
+              <a:t>6/4/19</a:t>
             </a:fld>
             <a:endParaRPr lang="en-US" dirty="0"/>
           </a:p>
@@ -3384,7 +3384,7 @@
           <a:lstStyle/>
           <a:p>
             <a:r>
-              <a:rPr lang="fi-FI" smtClean="0"/>
+              <a:rPr lang="fi-FI"/>
               <a:t>NTUA I. Papakrivopoulos, G. Bakas</a:t>
             </a:r>
             <a:endParaRPr lang="en-US" dirty="0"/>
@@ -3436,7 +3436,7 @@
           <a:lstStyle/>
           <a:p>
             <a:r>
-              <a:rPr lang="en-US" dirty="0" smtClean="0"/>
+              <a:rPr lang="en-US" dirty="0"/>
               <a:t>Click to edit Master title style</a:t>
             </a:r>
             <a:endParaRPr lang="en-GB" dirty="0"/>
@@ -3448,13 +3448,6 @@
   <p:clrMapOvr>
     <a:masterClrMapping/>
   </p:clrMapOvr>
-  <p:timing>
-    <p:tnLst>
-      <p:par>
-        <p:cTn id="1" dur="indefinite" restart="never" nodeType="tmRoot"/>
-      </p:par>
-    </p:tnLst>
-  </p:timing>
 </p:sldLayout>
 </file>
 
@@ -3500,7 +3493,7 @@
           </a:lstStyle>
           <a:p>
             <a:r>
-              <a:rPr lang="en-US" smtClean="0"/>
+              <a:rPr lang="en-US"/>
               <a:t>Click to edit Master title style</a:t>
             </a:r>
             <a:endParaRPr lang="en-GB"/>
@@ -3627,7 +3620,7 @@
           <a:p>
             <a:pPr lvl="0"/>
             <a:r>
-              <a:rPr lang="en-US" smtClean="0"/>
+              <a:rPr lang="en-US"/>
               <a:t>Edit Master text styles</a:t>
             </a:r>
           </a:p>
@@ -3650,7 +3643,7 @@
           <a:p>
             <a:fld id="{315F4987-F10E-42C1-9415-75C9FD7F079A}" type="datetime1">
               <a:rPr lang="en-US" smtClean="0"/>
-              <a:t>6/4/2019</a:t>
+              <a:t>6/4/19</a:t>
             </a:fld>
             <a:endParaRPr lang="en-GB"/>
           </a:p>
@@ -3672,7 +3665,7 @@
           <a:lstStyle/>
           <a:p>
             <a:r>
-              <a:rPr lang="fi-FI" smtClean="0"/>
+              <a:rPr lang="fi-FI"/>
               <a:t>NTUA I. Papakrivopoulos, G. Bakas</a:t>
             </a:r>
             <a:endParaRPr lang="en-GB"/>
@@ -3748,7 +3741,7 @@
           <a:lstStyle/>
           <a:p>
             <a:r>
-              <a:rPr lang="en-US" smtClean="0"/>
+              <a:rPr lang="en-US"/>
               <a:t>Click to edit Master title style</a:t>
             </a:r>
             <a:endParaRPr lang="en-GB"/>
@@ -3772,35 +3765,35 @@
           <a:p>
             <a:pPr lvl="0"/>
             <a:r>
-              <a:rPr lang="en-US" smtClean="0"/>
+              <a:rPr lang="en-US"/>
               <a:t>Edit Master text styles</a:t>
             </a:r>
           </a:p>
           <a:p>
             <a:pPr lvl="1"/>
             <a:r>
-              <a:rPr lang="en-US" smtClean="0"/>
+              <a:rPr lang="en-US"/>
               <a:t>Second level</a:t>
             </a:r>
           </a:p>
           <a:p>
             <a:pPr lvl="2"/>
             <a:r>
-              <a:rPr lang="en-US" smtClean="0"/>
+              <a:rPr lang="en-US"/>
               <a:t>Third level</a:t>
             </a:r>
           </a:p>
           <a:p>
             <a:pPr lvl="3"/>
             <a:r>
-              <a:rPr lang="en-US" smtClean="0"/>
+              <a:rPr lang="en-US"/>
               <a:t>Fourth level</a:t>
             </a:r>
           </a:p>
           <a:p>
             <a:pPr lvl="4"/>
             <a:r>
-              <a:rPr lang="en-US" smtClean="0"/>
+              <a:rPr lang="en-US"/>
               <a:t>Fifth level</a:t>
             </a:r>
             <a:endParaRPr lang="en-GB"/>
@@ -3824,7 +3817,7 @@
           <a:p>
             <a:fld id="{8D507AB4-72CD-4ABA-85A4-1B7DC7356679}" type="datetime1">
               <a:rPr lang="en-US" smtClean="0"/>
-              <a:t>6/4/2019</a:t>
+              <a:t>6/4/19</a:t>
             </a:fld>
             <a:endParaRPr lang="en-GB"/>
           </a:p>
@@ -3846,7 +3839,7 @@
           <a:lstStyle/>
           <a:p>
             <a:r>
-              <a:rPr lang="fi-FI" smtClean="0"/>
+              <a:rPr lang="fi-FI"/>
               <a:t>NTUA I. Papakrivopoulos, G. Bakas</a:t>
             </a:r>
             <a:endParaRPr lang="en-GB"/>
@@ -3927,7 +3920,7 @@
           <a:lstStyle/>
           <a:p>
             <a:r>
-              <a:rPr lang="en-US" smtClean="0"/>
+              <a:rPr lang="en-US"/>
               <a:t>Click to edit Master title style</a:t>
             </a:r>
             <a:endParaRPr lang="en-GB"/>
@@ -3956,35 +3949,35 @@
           <a:p>
             <a:pPr lvl="0"/>
             <a:r>
-              <a:rPr lang="en-US" smtClean="0"/>
+              <a:rPr lang="en-US"/>
               <a:t>Edit Master text styles</a:t>
             </a:r>
           </a:p>
           <a:p>
             <a:pPr lvl="1"/>
             <a:r>
-              <a:rPr lang="en-US" smtClean="0"/>
+              <a:rPr lang="en-US"/>
               <a:t>Second level</a:t>
             </a:r>
           </a:p>
           <a:p>
             <a:pPr lvl="2"/>
             <a:r>
-              <a:rPr lang="en-US" smtClean="0"/>
+              <a:rPr lang="en-US"/>
               <a:t>Third level</a:t>
             </a:r>
           </a:p>
           <a:p>
             <a:pPr lvl="3"/>
             <a:r>
-              <a:rPr lang="en-US" smtClean="0"/>
+              <a:rPr lang="en-US"/>
               <a:t>Fourth level</a:t>
             </a:r>
           </a:p>
           <a:p>
             <a:pPr lvl="4"/>
             <a:r>
-              <a:rPr lang="en-US" smtClean="0"/>
+              <a:rPr lang="en-US"/>
               <a:t>Fifth level</a:t>
             </a:r>
             <a:endParaRPr lang="en-GB"/>
@@ -4008,7 +4001,7 @@
           <a:p>
             <a:fld id="{4E1BDD40-BDBA-4115-B173-9154D72966A9}" type="datetime1">
               <a:rPr lang="en-US" smtClean="0"/>
-              <a:t>6/4/2019</a:t>
+              <a:t>6/4/19</a:t>
             </a:fld>
             <a:endParaRPr lang="en-GB"/>
           </a:p>
@@ -4030,7 +4023,7 @@
           <a:lstStyle/>
           <a:p>
             <a:r>
-              <a:rPr lang="fi-FI" smtClean="0"/>
+              <a:rPr lang="fi-FI"/>
               <a:t>NTUA I. Papakrivopoulos, G. Bakas</a:t>
             </a:r>
             <a:endParaRPr lang="en-GB"/>
@@ -4211,7 +4204,7 @@
           </a:lstStyle>
           <a:p>
             <a:r>
-              <a:rPr lang="en-US" smtClean="0"/>
+              <a:rPr lang="en-US"/>
               <a:t>Click to edit Master title style</a:t>
             </a:r>
             <a:endParaRPr lang="en-US" dirty="0"/>
@@ -4332,7 +4325,7 @@
           <a:p>
             <a:pPr lvl="0"/>
             <a:r>
-              <a:rPr lang="en-US" smtClean="0"/>
+              <a:rPr lang="en-US"/>
               <a:t>Edit Master text styles</a:t>
             </a:r>
           </a:p>
@@ -4355,7 +4348,7 @@
           <a:p>
             <a:fld id="{3890A557-2635-4650-9973-9258F2CB8A2E}" type="datetime1">
               <a:rPr lang="en-US" smtClean="0"/>
-              <a:t>6/4/2019</a:t>
+              <a:t>6/4/19</a:t>
             </a:fld>
             <a:endParaRPr lang="en-US" dirty="0"/>
           </a:p>
@@ -4377,7 +4370,7 @@
           <a:lstStyle/>
           <a:p>
             <a:r>
-              <a:rPr lang="fi-FI" smtClean="0"/>
+              <a:rPr lang="fi-FI"/>
               <a:t>NTUA I. Papakrivopoulos, G. Bakas</a:t>
             </a:r>
             <a:endParaRPr lang="en-US" dirty="0"/>
@@ -4491,7 +4484,7 @@
           <a:lstStyle/>
           <a:p>
             <a:r>
-              <a:rPr lang="en-US" smtClean="0"/>
+              <a:rPr lang="en-US"/>
               <a:t>Click to edit Master title style</a:t>
             </a:r>
             <a:endParaRPr lang="en-US" dirty="0"/>
@@ -4520,35 +4513,35 @@
           <a:p>
             <a:pPr lvl="0"/>
             <a:r>
-              <a:rPr lang="en-US" smtClean="0"/>
+              <a:rPr lang="en-US"/>
               <a:t>Edit Master text styles</a:t>
             </a:r>
           </a:p>
           <a:p>
             <a:pPr lvl="1"/>
             <a:r>
-              <a:rPr lang="en-US" smtClean="0"/>
+              <a:rPr lang="en-US"/>
               <a:t>Second level</a:t>
             </a:r>
           </a:p>
           <a:p>
             <a:pPr lvl="2"/>
             <a:r>
-              <a:rPr lang="en-US" smtClean="0"/>
+              <a:rPr lang="en-US"/>
               <a:t>Third level</a:t>
             </a:r>
           </a:p>
           <a:p>
             <a:pPr lvl="3"/>
             <a:r>
-              <a:rPr lang="en-US" smtClean="0"/>
+              <a:rPr lang="en-US"/>
               <a:t>Fourth level</a:t>
             </a:r>
           </a:p>
           <a:p>
             <a:pPr lvl="4"/>
             <a:r>
-              <a:rPr lang="en-US" smtClean="0"/>
+              <a:rPr lang="en-US"/>
               <a:t>Fifth level</a:t>
             </a:r>
             <a:endParaRPr lang="en-US" dirty="0"/>
@@ -4577,35 +4570,35 @@
           <a:p>
             <a:pPr lvl="0"/>
             <a:r>
-              <a:rPr lang="en-US" smtClean="0"/>
+              <a:rPr lang="en-US"/>
               <a:t>Edit Master text styles</a:t>
             </a:r>
           </a:p>
           <a:p>
             <a:pPr lvl="1"/>
             <a:r>
-              <a:rPr lang="en-US" smtClean="0"/>
+              <a:rPr lang="en-US"/>
               <a:t>Second level</a:t>
             </a:r>
           </a:p>
           <a:p>
             <a:pPr lvl="2"/>
             <a:r>
-              <a:rPr lang="en-US" smtClean="0"/>
+              <a:rPr lang="en-US"/>
               <a:t>Third level</a:t>
             </a:r>
           </a:p>
           <a:p>
             <a:pPr lvl="3"/>
             <a:r>
-              <a:rPr lang="en-US" smtClean="0"/>
+              <a:rPr lang="en-US"/>
               <a:t>Fourth level</a:t>
             </a:r>
           </a:p>
           <a:p>
             <a:pPr lvl="4"/>
             <a:r>
-              <a:rPr lang="en-US" smtClean="0"/>
+              <a:rPr lang="en-US"/>
               <a:t>Fifth level</a:t>
             </a:r>
             <a:endParaRPr lang="en-US" dirty="0"/>
@@ -4629,7 +4622,7 @@
           <a:p>
             <a:fld id="{A2B8328C-0844-4E25-8959-D9EC7AC0D65F}" type="datetime1">
               <a:rPr lang="en-US" smtClean="0"/>
-              <a:t>6/4/2019</a:t>
+              <a:t>6/4/19</a:t>
             </a:fld>
             <a:endParaRPr lang="en-US" dirty="0"/>
           </a:p>
@@ -4651,7 +4644,7 @@
           <a:lstStyle/>
           <a:p>
             <a:r>
-              <a:rPr lang="fi-FI" smtClean="0"/>
+              <a:rPr lang="fi-FI"/>
               <a:t>NTUA I. Papakrivopoulos, G. Bakas</a:t>
             </a:r>
             <a:endParaRPr lang="en-US" dirty="0"/>
@@ -4727,7 +4720,7 @@
           <a:lstStyle/>
           <a:p>
             <a:r>
-              <a:rPr lang="en-US" smtClean="0"/>
+              <a:rPr lang="en-US"/>
               <a:t>Click to edit Master title style</a:t>
             </a:r>
             <a:endParaRPr lang="en-US" dirty="0"/>
@@ -4799,7 +4792,7 @@
           <a:p>
             <a:pPr lvl="0"/>
             <a:r>
-              <a:rPr lang="en-US" smtClean="0"/>
+              <a:rPr lang="en-US"/>
               <a:t>Edit Master text styles</a:t>
             </a:r>
           </a:p>
@@ -4827,35 +4820,35 @@
           <a:p>
             <a:pPr lvl="0"/>
             <a:r>
-              <a:rPr lang="en-US" smtClean="0"/>
+              <a:rPr lang="en-US"/>
               <a:t>Edit Master text styles</a:t>
             </a:r>
           </a:p>
           <a:p>
             <a:pPr lvl="1"/>
             <a:r>
-              <a:rPr lang="en-US" smtClean="0"/>
+              <a:rPr lang="en-US"/>
               <a:t>Second level</a:t>
             </a:r>
           </a:p>
           <a:p>
             <a:pPr lvl="2"/>
             <a:r>
-              <a:rPr lang="en-US" smtClean="0"/>
+              <a:rPr lang="en-US"/>
               <a:t>Third level</a:t>
             </a:r>
           </a:p>
           <a:p>
             <a:pPr lvl="3"/>
             <a:r>
-              <a:rPr lang="en-US" smtClean="0"/>
+              <a:rPr lang="en-US"/>
               <a:t>Fourth level</a:t>
             </a:r>
           </a:p>
           <a:p>
             <a:pPr lvl="4"/>
             <a:r>
-              <a:rPr lang="en-US" smtClean="0"/>
+              <a:rPr lang="en-US"/>
               <a:t>Fifth level</a:t>
             </a:r>
             <a:endParaRPr lang="en-US" dirty="0"/>
@@ -4927,7 +4920,7 @@
           <a:p>
             <a:pPr lvl="0"/>
             <a:r>
-              <a:rPr lang="en-US" smtClean="0"/>
+              <a:rPr lang="en-US"/>
               <a:t>Edit Master text styles</a:t>
             </a:r>
           </a:p>
@@ -4955,35 +4948,35 @@
           <a:p>
             <a:pPr lvl="0"/>
             <a:r>
-              <a:rPr lang="en-US" smtClean="0"/>
+              <a:rPr lang="en-US"/>
               <a:t>Edit Master text styles</a:t>
             </a:r>
           </a:p>
           <a:p>
             <a:pPr lvl="1"/>
             <a:r>
-              <a:rPr lang="en-US" smtClean="0"/>
+              <a:rPr lang="en-US"/>
               <a:t>Second level</a:t>
             </a:r>
           </a:p>
           <a:p>
             <a:pPr lvl="2"/>
             <a:r>
-              <a:rPr lang="en-US" smtClean="0"/>
+              <a:rPr lang="en-US"/>
               <a:t>Third level</a:t>
             </a:r>
           </a:p>
           <a:p>
             <a:pPr lvl="3"/>
             <a:r>
-              <a:rPr lang="en-US" smtClean="0"/>
+              <a:rPr lang="en-US"/>
               <a:t>Fourth level</a:t>
             </a:r>
           </a:p>
           <a:p>
             <a:pPr lvl="4"/>
             <a:r>
-              <a:rPr lang="en-US" smtClean="0"/>
+              <a:rPr lang="en-US"/>
               <a:t>Fifth level</a:t>
             </a:r>
             <a:endParaRPr lang="en-US" dirty="0"/>
@@ -5007,7 +5000,7 @@
           <a:p>
             <a:fld id="{4EA6C6B1-990A-438D-BCC8-CBEFBE6A72E4}" type="datetime1">
               <a:rPr lang="en-US" smtClean="0"/>
-              <a:t>6/4/2019</a:t>
+              <a:t>6/4/19</a:t>
             </a:fld>
             <a:endParaRPr lang="en-US" dirty="0"/>
           </a:p>
@@ -5029,7 +5022,7 @@
           <a:lstStyle/>
           <a:p>
             <a:r>
-              <a:rPr lang="fi-FI" smtClean="0"/>
+              <a:rPr lang="fi-FI"/>
               <a:t>NTUA I. Papakrivopoulos, G. Bakas</a:t>
             </a:r>
             <a:endParaRPr lang="en-US" dirty="0"/>
@@ -5100,7 +5093,7 @@
           <a:lstStyle/>
           <a:p>
             <a:r>
-              <a:rPr lang="en-US" smtClean="0"/>
+              <a:rPr lang="en-US"/>
               <a:t>Click to edit Master title style</a:t>
             </a:r>
             <a:endParaRPr lang="en-US" dirty="0"/>
@@ -5124,7 +5117,7 @@
           <a:p>
             <a:fld id="{04EC709C-DE31-463C-8ED7-E8BBCA54F2E5}" type="datetime1">
               <a:rPr lang="en-US" smtClean="0"/>
-              <a:t>6/4/2019</a:t>
+              <a:t>6/4/19</a:t>
             </a:fld>
             <a:endParaRPr lang="en-US" dirty="0"/>
           </a:p>
@@ -5146,7 +5139,7 @@
           <a:lstStyle/>
           <a:p>
             <a:r>
-              <a:rPr lang="fi-FI" smtClean="0"/>
+              <a:rPr lang="fi-FI"/>
               <a:t>NTUA I. Papakrivopoulos, G. Bakas</a:t>
             </a:r>
             <a:endParaRPr lang="en-US" dirty="0"/>
@@ -5294,7 +5287,7 @@
           <a:p>
             <a:fld id="{61BFD743-B9FB-4BA6-86A3-1B917C7380BD}" type="datetime1">
               <a:rPr lang="en-US" smtClean="0"/>
-              <a:t>6/4/2019</a:t>
+              <a:t>6/4/19</a:t>
             </a:fld>
             <a:endParaRPr lang="en-US" dirty="0"/>
           </a:p>
@@ -5324,7 +5317,7 @@
           </a:lstStyle>
           <a:p>
             <a:r>
-              <a:rPr lang="fi-FI" smtClean="0"/>
+              <a:rPr lang="fi-FI"/>
               <a:t>NTUA I. Papakrivopoulos, G. Bakas</a:t>
             </a:r>
             <a:endParaRPr lang="en-US" dirty="0"/>
@@ -5390,13 +5383,6 @@
   <p:clrMapOvr>
     <a:masterClrMapping/>
   </p:clrMapOvr>
-  <p:timing>
-    <p:tnLst>
-      <p:par>
-        <p:cTn id="1" dur="indefinite" restart="never" nodeType="tmRoot"/>
-      </p:par>
-    </p:tnLst>
-  </p:timing>
 </p:sldLayout>
 </file>
 
@@ -5524,10 +5510,9 @@
           </a:lstStyle>
           <a:p>
             <a:r>
-              <a:rPr lang="en-US" dirty="0" smtClean="0"/>
+              <a:rPr lang="en-US" dirty="0"/>
               <a:t>Click to edit Master title style</a:t>
             </a:r>
-            <a:endParaRPr lang="en-US" dirty="0"/>
           </a:p>
         </p:txBody>
       </p:sp>
@@ -5553,35 +5538,35 @@
           <a:p>
             <a:pPr lvl="0"/>
             <a:r>
-              <a:rPr lang="en-US" smtClean="0"/>
+              <a:rPr lang="en-US"/>
               <a:t>Edit Master text styles</a:t>
             </a:r>
           </a:p>
           <a:p>
             <a:pPr lvl="1"/>
             <a:r>
-              <a:rPr lang="en-US" smtClean="0"/>
+              <a:rPr lang="en-US"/>
               <a:t>Second level</a:t>
             </a:r>
           </a:p>
           <a:p>
             <a:pPr lvl="2"/>
             <a:r>
-              <a:rPr lang="en-US" smtClean="0"/>
+              <a:rPr lang="en-US"/>
               <a:t>Third level</a:t>
             </a:r>
           </a:p>
           <a:p>
             <a:pPr lvl="3"/>
             <a:r>
-              <a:rPr lang="en-US" smtClean="0"/>
+              <a:rPr lang="en-US"/>
               <a:t>Fourth level</a:t>
             </a:r>
           </a:p>
           <a:p>
             <a:pPr lvl="4"/>
             <a:r>
-              <a:rPr lang="en-US" smtClean="0"/>
+              <a:rPr lang="en-US"/>
               <a:t>Fifth level</a:t>
             </a:r>
             <a:endParaRPr lang="en-US" dirty="0"/>
@@ -5653,7 +5638,7 @@
           <a:p>
             <a:pPr lvl="0"/>
             <a:r>
-              <a:rPr lang="en-US" smtClean="0"/>
+              <a:rPr lang="en-US"/>
               <a:t>Edit Master text styles</a:t>
             </a:r>
           </a:p>
@@ -5685,7 +5670,7 @@
           <a:p>
             <a:fld id="{6B587570-E790-45D7-84FE-D9AFF32DD34E}" type="datetime1">
               <a:rPr lang="en-US" smtClean="0"/>
-              <a:t>6/4/2019</a:t>
+              <a:t>6/4/19</a:t>
             </a:fld>
             <a:endParaRPr lang="en-US" dirty="0"/>
           </a:p>
@@ -5720,7 +5705,7 @@
           </a:lstStyle>
           <a:p>
             <a:r>
-              <a:rPr lang="fi-FI" smtClean="0"/>
+              <a:rPr lang="fi-FI"/>
               <a:t>NTUA I. Papakrivopoulos, G. Bakas</a:t>
             </a:r>
             <a:endParaRPr lang="en-US" dirty="0"/>
@@ -5891,7 +5876,7 @@
           </a:lstStyle>
           <a:p>
             <a:r>
-              <a:rPr lang="en-US" smtClean="0"/>
+              <a:rPr lang="en-US"/>
               <a:t>Click to edit Master title style</a:t>
             </a:r>
             <a:endParaRPr lang="en-US" dirty="0"/>
@@ -5966,7 +5951,7 @@
           </a:lstStyle>
           <a:p>
             <a:r>
-              <a:rPr lang="en-US" smtClean="0"/>
+              <a:rPr lang="en-US"/>
               <a:t>Click icon to add picture</a:t>
             </a:r>
             <a:endParaRPr lang="en-US" dirty="0"/>
@@ -6044,7 +6029,7 @@
           <a:p>
             <a:pPr lvl="0"/>
             <a:r>
-              <a:rPr lang="en-US" smtClean="0"/>
+              <a:rPr lang="en-US"/>
               <a:t>Edit Master text styles</a:t>
             </a:r>
           </a:p>
@@ -6067,7 +6052,7 @@
           <a:p>
             <a:fld id="{29B6AA42-3D7B-4AA6-9432-398E13839FA5}" type="datetime1">
               <a:rPr lang="en-US" smtClean="0"/>
-              <a:t>6/4/2019</a:t>
+              <a:t>6/4/19</a:t>
             </a:fld>
             <a:endParaRPr lang="en-US" dirty="0"/>
           </a:p>
@@ -6089,7 +6074,7 @@
           <a:lstStyle/>
           <a:p>
             <a:r>
-              <a:rPr lang="fi-FI" smtClean="0"/>
+              <a:rPr lang="fi-FI"/>
               <a:t>NTUA I. Papakrivopoulos, G. Bakas</a:t>
             </a:r>
             <a:endParaRPr lang="en-US" dirty="0"/>
@@ -6251,10 +6236,9 @@
           <a:lstStyle/>
           <a:p>
             <a:r>
-              <a:rPr lang="en-US" dirty="0" smtClean="0"/>
+              <a:rPr lang="en-US" dirty="0"/>
               <a:t>Click to edit Master title style</a:t>
             </a:r>
-            <a:endParaRPr lang="en-US" dirty="0"/>
           </a:p>
         </p:txBody>
       </p:sp>
@@ -6285,35 +6269,35 @@
           <a:p>
             <a:pPr lvl="0"/>
             <a:r>
-              <a:rPr lang="en-US" smtClean="0"/>
+              <a:rPr lang="en-US"/>
               <a:t>Edit Master text styles</a:t>
             </a:r>
           </a:p>
           <a:p>
             <a:pPr lvl="1"/>
             <a:r>
-              <a:rPr lang="en-US" smtClean="0"/>
+              <a:rPr lang="en-US"/>
               <a:t>Second level</a:t>
             </a:r>
           </a:p>
           <a:p>
             <a:pPr lvl="2"/>
             <a:r>
-              <a:rPr lang="en-US" smtClean="0"/>
+              <a:rPr lang="en-US"/>
               <a:t>Third level</a:t>
             </a:r>
           </a:p>
           <a:p>
             <a:pPr lvl="3"/>
             <a:r>
-              <a:rPr lang="en-US" smtClean="0"/>
+              <a:rPr lang="en-US"/>
               <a:t>Fourth level</a:t>
             </a:r>
           </a:p>
           <a:p>
             <a:pPr lvl="4"/>
             <a:r>
-              <a:rPr lang="en-US" smtClean="0"/>
+              <a:rPr lang="en-US"/>
               <a:t>Fifth level</a:t>
             </a:r>
             <a:endParaRPr lang="en-US" dirty="0"/>
@@ -6353,7 +6337,7 @@
           <a:p>
             <a:fld id="{07FE8CA8-44E8-408B-BC36-EE81851D02E8}" type="datetime1">
               <a:rPr lang="en-US" smtClean="0"/>
-              <a:t>6/4/2019</a:t>
+              <a:t>6/4/19</a:t>
             </a:fld>
             <a:endParaRPr lang="en-US" dirty="0"/>
           </a:p>
@@ -6391,7 +6375,7 @@
           </a:lstStyle>
           <a:p>
             <a:r>
-              <a:rPr lang="fi-FI" smtClean="0"/>
+              <a:rPr lang="fi-FI"/>
               <a:t>NTUA I. Papakrivopoulos, G. Bakas</a:t>
             </a:r>
             <a:endParaRPr lang="en-US" dirty="0"/>
@@ -6939,7 +6923,7 @@
           <a:lstStyle/>
           <a:p>
             <a:r>
-              <a:rPr lang="en-US" smtClean="0"/>
+              <a:rPr lang="en-US"/>
               <a:t>Click to edit Master title style</a:t>
             </a:r>
             <a:endParaRPr lang="en-GB"/>
@@ -6973,35 +6957,35 @@
           <a:p>
             <a:pPr lvl="0"/>
             <a:r>
-              <a:rPr lang="en-US" smtClean="0"/>
+              <a:rPr lang="en-US"/>
               <a:t>Edit Master text styles</a:t>
             </a:r>
           </a:p>
           <a:p>
             <a:pPr lvl="1"/>
             <a:r>
-              <a:rPr lang="en-US" smtClean="0"/>
+              <a:rPr lang="en-US"/>
               <a:t>Second level</a:t>
             </a:r>
           </a:p>
           <a:p>
             <a:pPr lvl="2"/>
             <a:r>
-              <a:rPr lang="en-US" smtClean="0"/>
+              <a:rPr lang="en-US"/>
               <a:t>Third level</a:t>
             </a:r>
           </a:p>
           <a:p>
             <a:pPr lvl="3"/>
             <a:r>
-              <a:rPr lang="en-US" smtClean="0"/>
+              <a:rPr lang="en-US"/>
               <a:t>Fourth level</a:t>
             </a:r>
           </a:p>
           <a:p>
             <a:pPr lvl="4"/>
             <a:r>
-              <a:rPr lang="en-US" smtClean="0"/>
+              <a:rPr lang="en-US"/>
               <a:t>Fifth level</a:t>
             </a:r>
             <a:endParaRPr lang="en-GB"/>
@@ -7043,7 +7027,7 @@
           <a:p>
             <a:fld id="{D6CDC20A-B52C-4E07-BB00-B88955FDC5B2}" type="datetime1">
               <a:rPr lang="en-US" smtClean="0"/>
-              <a:t>6/4/2019</a:t>
+              <a:t>6/4/19</a:t>
             </a:fld>
             <a:endParaRPr lang="en-GB"/>
           </a:p>
@@ -7083,7 +7067,7 @@
           </a:lstStyle>
           <a:p>
             <a:r>
-              <a:rPr lang="fi-FI" smtClean="0"/>
+              <a:rPr lang="fi-FI"/>
               <a:t>NTUA I. Papakrivopoulos, G. Bakas</a:t>
             </a:r>
             <a:endParaRPr lang="en-GB"/>
@@ -7476,58 +7460,34 @@
           <a:lstStyle/>
           <a:p>
             <a:pPr algn="ctr"/>
-            <a:r>
-              <a:rPr lang="en-GB" sz="4400" b="1" dirty="0"/>
-              <a:t/>
-            </a:r>
             <a:br>
               <a:rPr lang="en-GB" sz="4400" b="1" dirty="0"/>
             </a:br>
             <a:r>
-              <a:rPr lang="en-GB" sz="4400" b="1" dirty="0" err="1" smtClean="0"/>
+              <a:rPr lang="en-GB" sz="4400" b="1" dirty="0" err="1"/>
               <a:t>TopTagger</a:t>
             </a:r>
             <a:r>
-              <a:rPr lang="en-GB" sz="4400" b="1" dirty="0" smtClean="0"/>
-              <a:t>, </a:t>
-            </a:r>
-            <a:r>
-              <a:rPr lang="en-GB" sz="4400" b="1" dirty="0" smtClean="0"/>
-              <a:t>DeepAK8, event </a:t>
-            </a:r>
-            <a:r>
-              <a:rPr lang="en-GB" sz="4400" b="1" dirty="0" err="1" smtClean="0"/>
+              <a:rPr lang="en-GB" sz="4400" b="1" dirty="0"/>
+              <a:t>, DeepAK8, event </a:t>
+            </a:r>
+            <a:r>
+              <a:rPr lang="en-GB" sz="4400" b="1" dirty="0" err="1"/>
               <a:t>Mva</a:t>
             </a:r>
-            <a:r>
-              <a:rPr lang="en-GB" sz="4400" b="1" dirty="0" smtClean="0"/>
-              <a:t/>
-            </a:r>
             <a:br>
-              <a:rPr lang="en-GB" sz="4400" b="1" dirty="0" smtClean="0"/>
+              <a:rPr lang="en-GB" sz="4400" b="1" dirty="0"/>
             </a:br>
             <a:r>
-              <a:rPr lang="en-GB" sz="4400" b="1" dirty="0" smtClean="0"/>
+              <a:rPr lang="en-GB" sz="4400" b="1" dirty="0"/>
               <a:t>comparison</a:t>
-            </a:r>
-            <a:r>
-              <a:rPr lang="el-GR" sz="4400" dirty="0"/>
-              <a:t/>
             </a:r>
             <a:br>
               <a:rPr lang="el-GR" sz="4400" dirty="0"/>
             </a:br>
-            <a:r>
-              <a:rPr lang="en-GB" sz="4400" dirty="0"/>
-              <a:t/>
-            </a:r>
             <a:br>
               <a:rPr lang="en-GB" sz="4400" dirty="0"/>
             </a:br>
-            <a:r>
-              <a:rPr lang="en-GB" sz="4400" dirty="0"/>
-              <a:t/>
-            </a:r>
             <a:br>
               <a:rPr lang="en-GB" sz="4400" dirty="0"/>
             </a:br>
@@ -7605,13 +7565,6 @@
   <p:clrMapOvr>
     <a:masterClrMapping/>
   </p:clrMapOvr>
-  <p:timing>
-    <p:tnLst>
-      <p:par>
-        <p:cTn id="1" dur="indefinite" restart="never" nodeType="tmRoot"/>
-      </p:par>
-    </p:tnLst>
-  </p:timing>
 </p:sld>
 </file>
 
@@ -7649,7 +7602,7 @@
           <a:p>
             <a:fld id="{F7D08143-D8EF-4C1A-A7BC-0DD89FCC0194}" type="datetime1">
               <a:rPr lang="en-US" smtClean="0"/>
-              <a:t>6/4/2019</a:t>
+              <a:t>6/4/19</a:t>
             </a:fld>
             <a:endParaRPr lang="en-US"/>
           </a:p>
@@ -7664,7 +7617,7 @@
         <p:spPr>
           <a:xfrm>
             <a:off x="538179" y="1302107"/>
-            <a:ext cx="6767690" cy="1815882"/>
+            <a:ext cx="6767690" cy="1600438"/>
           </a:xfrm>
           <a:prstGeom prst="rect">
             <a:avLst/>
@@ -7682,34 +7635,7 @@
               <a:buChar char="•"/>
             </a:pPr>
             <a:r>
-              <a:rPr lang="en-GB" sz="1400" dirty="0" smtClean="0"/>
-              <a:t>Efficiencies and Acceptance for </a:t>
-            </a:r>
-            <a:r>
-              <a:rPr lang="en-GB" sz="1400" dirty="0" err="1" smtClean="0"/>
-              <a:t>mTT</a:t>
-            </a:r>
-            <a:r>
-              <a:rPr lang="en-GB" sz="1400" dirty="0" smtClean="0"/>
-              <a:t> and </a:t>
-            </a:r>
-            <a:r>
-              <a:rPr lang="en-GB" sz="1400" dirty="0" err="1" smtClean="0"/>
-              <a:t>jetPt</a:t>
-            </a:r>
-            <a:r>
-              <a:rPr lang="en-GB" sz="1400" dirty="0" smtClean="0"/>
-              <a:t> variables</a:t>
-            </a:r>
-            <a:endParaRPr lang="en-US" sz="1400" dirty="0"/>
-          </a:p>
-          <a:p>
-            <a:pPr marL="285750" indent="-285750">
-              <a:buFont typeface="Arial" panose="020B0604020202020204" pitchFamily="34" charset="0"/>
-              <a:buChar char="•"/>
-            </a:pPr>
-            <a:r>
-              <a:rPr lang="en-US" sz="1400" dirty="0" smtClean="0"/>
+              <a:rPr lang="en-US" sz="1400" dirty="0"/>
               <a:t>Selection:</a:t>
             </a:r>
           </a:p>
@@ -7720,11 +7646,7 @@
             </a:pPr>
             <a:r>
               <a:rPr lang="en-US" sz="1400" dirty="0"/>
-              <a:t>Jet </a:t>
-            </a:r>
-            <a:r>
-              <a:rPr lang="en-US" sz="1400" dirty="0" smtClean="0"/>
-              <a:t>Matching</a:t>
+              <a:t>Jet Matching</a:t>
             </a:r>
           </a:p>
           <a:p>
@@ -7733,7 +7655,7 @@
               <a:buChar char="•"/>
             </a:pPr>
             <a:r>
-              <a:rPr lang="en-US" sz="1400" dirty="0" smtClean="0"/>
+              <a:rPr lang="en-US" sz="1400" dirty="0"/>
               <a:t>Parton cuts:</a:t>
             </a:r>
           </a:p>
@@ -7743,11 +7665,11 @@
               <a:buChar char="•"/>
             </a:pPr>
             <a:r>
-              <a:rPr lang="en-US" sz="1400" dirty="0" err="1" smtClean="0"/>
+              <a:rPr lang="en-US" sz="1400" dirty="0" err="1"/>
               <a:t>partonPt</a:t>
             </a:r>
             <a:r>
-              <a:rPr lang="en-US" sz="1400" dirty="0" smtClean="0"/>
+              <a:rPr lang="en-US" sz="1400" dirty="0"/>
               <a:t>[0],[1] &gt; 400</a:t>
             </a:r>
           </a:p>
@@ -7757,15 +7679,15 @@
               <a:buChar char="•"/>
             </a:pPr>
             <a:r>
-              <a:rPr lang="en-US" sz="1400" dirty="0" smtClean="0"/>
+              <a:rPr lang="en-US" sz="1400" dirty="0"/>
               <a:t>|</a:t>
             </a:r>
             <a:r>
-              <a:rPr lang="en-US" sz="1400" dirty="0" err="1" smtClean="0"/>
+              <a:rPr lang="en-US" sz="1400" dirty="0" err="1"/>
               <a:t>partonEta</a:t>
             </a:r>
             <a:r>
-              <a:rPr lang="en-US" sz="1400" dirty="0" smtClean="0"/>
+              <a:rPr lang="en-US" sz="1400" dirty="0"/>
               <a:t>[0],[1]| &lt; 2.4</a:t>
             </a:r>
           </a:p>
@@ -7775,11 +7697,11 @@
               <a:buChar char="•"/>
             </a:pPr>
             <a:r>
-              <a:rPr lang="en-US" sz="1400" dirty="0" err="1" smtClean="0"/>
+              <a:rPr lang="en-US" sz="1400" dirty="0" err="1"/>
               <a:t>mTTbarParton</a:t>
             </a:r>
             <a:r>
-              <a:rPr lang="en-US" sz="1400" dirty="0" smtClean="0"/>
+              <a:rPr lang="en-US" sz="1400" dirty="0"/>
               <a:t> &gt; 1000</a:t>
             </a:r>
           </a:p>
@@ -7895,15 +7817,15 @@
           </a:lstStyle>
           <a:p>
             <a:r>
-              <a:rPr lang="en-GB" sz="4000" dirty="0" smtClean="0"/>
+              <a:rPr lang="en-GB" sz="4000" dirty="0"/>
               <a:t>Overview</a:t>
             </a:r>
             <a:endParaRPr lang="en-GB" dirty="0"/>
           </a:p>
         </p:txBody>
       </p:sp>
-      <mc:AlternateContent xmlns:mc="http://schemas.openxmlformats.org/markup-compatibility/2006" xmlns:a14="http://schemas.microsoft.com/office/drawing/2010/main">
-        <mc:Choice Requires="a14">
+      <mc:AlternateContent xmlns:mc="http://schemas.openxmlformats.org/markup-compatibility/2006">
+        <mc:Choice xmlns:a14="http://schemas.microsoft.com/office/drawing/2010/main" Requires="a14">
           <p:sp>
             <p:nvSpPr>
               <p:cNvPr id="2" name="TextBox 1"/>
@@ -7927,7 +7849,7 @@
               <a:lstStyle/>
               <a:p>
                 <a:r>
-                  <a:rPr lang="en-US" dirty="0" smtClean="0"/>
+                  <a:rPr lang="en-US" dirty="0"/>
                   <a:t>Definitions:</a:t>
                 </a:r>
               </a:p>
@@ -8149,13 +8071,13 @@
                     </m:oMath>
                   </m:oMathPara>
                 </a14:m>
-                <a:endParaRPr lang="en-US" sz="1200" b="0" dirty="0" smtClean="0"/>
+                <a:endParaRPr lang="en-US" sz="1200" b="0" dirty="0"/>
               </a:p>
               <a:p>
-                <a:endParaRPr lang="en-US" b="0" dirty="0" smtClean="0"/>
+                <a:endParaRPr lang="en-US" b="0" dirty="0"/>
               </a:p>
               <a:p>
-                <a:endParaRPr lang="en-US" b="0" dirty="0" smtClean="0"/>
+                <a:endParaRPr lang="en-US" b="0" dirty="0"/>
               </a:p>
               <a:p>
                 <a:pPr/>
@@ -8357,7 +8279,7 @@
             </p:txBody>
           </p:sp>
         </mc:Choice>
-        <mc:Fallback xmlns="">
+        <mc:Fallback>
           <p:sp>
             <p:nvSpPr>
               <p:cNvPr id="2" name="TextBox 1"/>
@@ -8377,7 +8299,7 @@
               <a:blipFill>
                 <a:blip r:embed="rId2"/>
                 <a:stretch>
-                  <a:fillRect l="-752" t="-1630"/>
+                  <a:fillRect l="-586" t="-1130"/>
                 </a:stretch>
               </a:blipFill>
             </p:spPr>
@@ -8386,7 +8308,7 @@
               <a:lstStyle/>
               <a:p>
                 <a:r>
-                  <a:rPr lang="en-GB">
+                  <a:rPr lang="en-US">
                     <a:noFill/>
                   </a:rPr>
                   <a:t> </a:t>
@@ -8404,7 +8326,7 @@
         </p:nvSpPr>
         <p:spPr>
           <a:xfrm>
-            <a:off x="3218826" y="1910554"/>
+            <a:off x="3189951" y="1748383"/>
             <a:ext cx="5113706" cy="2308324"/>
           </a:xfrm>
           <a:prstGeom prst="rect">
@@ -8423,14 +8345,13 @@
               <a:buChar char="•"/>
             </a:pPr>
             <a:r>
-              <a:rPr lang="en-US" sz="1400" dirty="0" err="1" smtClean="0"/>
+              <a:rPr lang="en-US" sz="1400" dirty="0" err="1"/>
               <a:t>Reco</a:t>
             </a:r>
             <a:r>
-              <a:rPr lang="en-US" sz="1400" dirty="0" smtClean="0"/>
+              <a:rPr lang="en-US" sz="1400" dirty="0"/>
               <a:t> cuts:</a:t>
             </a:r>
-            <a:endParaRPr lang="en-US" sz="1400" dirty="0"/>
           </a:p>
           <a:p>
             <a:pPr marL="1200150" lvl="2" indent="-285750">
@@ -8549,11 +8470,7 @@
             </a:r>
             <a:r>
               <a:rPr lang="en-US" sz="1400" dirty="0"/>
-              <a:t> &gt; 120 and &lt; </a:t>
-            </a:r>
-            <a:r>
-              <a:rPr lang="en-US" sz="1400" dirty="0" smtClean="0"/>
-              <a:t>220</a:t>
+              <a:t> &gt; 120 and &lt; 220</a:t>
             </a:r>
           </a:p>
           <a:p>
@@ -8585,7 +8502,7 @@
               </a:bodyPr>
               <a:lstStyle/>
               <a:p>
-                <a:endParaRPr lang="en-US" dirty="0" smtClean="0"/>
+                <a:endParaRPr lang="en-US" dirty="0"/>
               </a:p>
               <a:p>
                 <a:pPr/>
@@ -8755,13 +8672,13 @@
                     </m:oMath>
                   </m:oMathPara>
                 </a14:m>
-                <a:endParaRPr lang="en-US" sz="1200" b="0" dirty="0" smtClean="0"/>
+                <a:endParaRPr lang="en-US" sz="1200" b="0" dirty="0"/>
               </a:p>
               <a:p>
-                <a:endParaRPr lang="en-US" b="0" dirty="0" smtClean="0"/>
+                <a:endParaRPr lang="en-US" b="0" dirty="0"/>
               </a:p>
               <a:p>
-                <a:endParaRPr lang="en-US" b="0" dirty="0" smtClean="0"/>
+                <a:endParaRPr lang="en-US" b="0" dirty="0"/>
               </a:p>
               <a:p>
                 <a:pPr/>
@@ -8967,7 +8884,7 @@
           <a:p>
             <a:fld id="{F18C97DA-3015-4AEC-8D39-6326FA6794D2}" type="datetime1">
               <a:rPr lang="en-US" smtClean="0"/>
-              <a:t>6/4/2019</a:t>
+              <a:t>6/4/19</a:t>
             </a:fld>
             <a:endParaRPr lang="en-US" dirty="0"/>
           </a:p>
@@ -8989,7 +8906,7 @@
           <a:lstStyle/>
           <a:p>
             <a:r>
-              <a:rPr lang="fi-FI" smtClean="0"/>
+              <a:rPr lang="fi-FI"/>
               <a:t>NTUA I. Papakrivopoulos, G. Bakas</a:t>
             </a:r>
             <a:endParaRPr lang="en-US" dirty="0"/>
@@ -9043,18 +8960,9 @@
           <a:lstStyle/>
           <a:p>
             <a:r>
-              <a:rPr lang="en-GB" sz="4000" dirty="0" err="1"/>
-              <a:t>TopTagger</a:t>
-            </a:r>
-            <a:r>
-              <a:rPr lang="en-GB" sz="4000" dirty="0"/>
-              <a:t>, </a:t>
-            </a:r>
-            <a:r>
-              <a:rPr lang="en-GB" dirty="0" smtClean="0"/>
-              <a:t>DeepAK8 comparison</a:t>
-            </a:r>
-            <a:endParaRPr lang="en-GB" dirty="0"/>
+              <a:rPr lang="en-GB" dirty="0"/>
+              <a:t>DeepAK8 output</a:t>
+            </a:r>
           </a:p>
         </p:txBody>
       </p:sp>
@@ -9107,10 +9015,9 @@
           <a:lstStyle/>
           <a:p>
             <a:r>
-              <a:rPr lang="en-GB" dirty="0" smtClean="0"/>
+              <a:rPr lang="en-GB" dirty="0"/>
               <a:t>Zoomed in</a:t>
             </a:r>
-            <a:endParaRPr lang="en-GB" dirty="0"/>
           </a:p>
         </p:txBody>
       </p:sp>
@@ -9184,13 +9091,6 @@
   <p:clrMapOvr>
     <a:masterClrMapping/>
   </p:clrMapOvr>
-  <p:timing>
-    <p:tnLst>
-      <p:par>
-        <p:cTn id="1" dur="indefinite" restart="never" nodeType="tmRoot"/>
-      </p:par>
-    </p:tnLst>
-  </p:timing>
 </p:sld>
 </file>
 
@@ -9228,7 +9128,7 @@
           <a:p>
             <a:fld id="{1285AF8F-1CA5-4F19-8386-707CCF4DE86E}" type="datetime1">
               <a:rPr lang="en-US" smtClean="0"/>
-              <a:t>6/4/2019</a:t>
+              <a:t>6/4/19</a:t>
             </a:fld>
             <a:endParaRPr lang="en-US" dirty="0"/>
           </a:p>
@@ -9250,7 +9150,7 @@
           <a:lstStyle/>
           <a:p>
             <a:r>
-              <a:rPr lang="fi-FI" smtClean="0"/>
+              <a:rPr lang="fi-FI"/>
               <a:t>NTUA I. Papakrivopoulos, G. Bakas</a:t>
             </a:r>
             <a:endParaRPr lang="en-US" dirty="0"/>
@@ -9304,18 +9204,9 @@
           <a:lstStyle/>
           <a:p>
             <a:r>
-              <a:rPr lang="en-GB" sz="3200" dirty="0" err="1"/>
-              <a:t>TopTagger</a:t>
-            </a:r>
-            <a:r>
               <a:rPr lang="en-GB" sz="3200" dirty="0"/>
-              <a:t>, </a:t>
-            </a:r>
-            <a:r>
-              <a:rPr lang="en-GB" sz="3200" dirty="0" smtClean="0"/>
-              <a:t>DeepAK8, event MVA Efficiency comparison</a:t>
-            </a:r>
-            <a:endParaRPr lang="en-GB" sz="3200" dirty="0"/>
+              <a:t>Efficiency</a:t>
+            </a:r>
           </a:p>
         </p:txBody>
       </p:sp>
@@ -9415,13 +9306,6 @@
   <p:clrMapOvr>
     <a:masterClrMapping/>
   </p:clrMapOvr>
-  <p:timing>
-    <p:tnLst>
-      <p:par>
-        <p:cTn id="1" dur="indefinite" restart="never" nodeType="tmRoot"/>
-      </p:par>
-    </p:tnLst>
-  </p:timing>
 </p:sld>
 </file>
 
@@ -9459,7 +9343,7 @@
           <a:p>
             <a:fld id="{1D514A23-516D-43F1-986D-597660D396FC}" type="datetime1">
               <a:rPr lang="en-US" smtClean="0"/>
-              <a:t>6/4/2019</a:t>
+              <a:t>6/4/19</a:t>
             </a:fld>
             <a:endParaRPr lang="en-US" dirty="0"/>
           </a:p>
@@ -9481,7 +9365,7 @@
           <a:lstStyle/>
           <a:p>
             <a:r>
-              <a:rPr lang="fi-FI" smtClean="0"/>
+              <a:rPr lang="fi-FI"/>
               <a:t>NTUA I. Papakrivopoulos, G. Bakas</a:t>
             </a:r>
             <a:endParaRPr lang="en-US" dirty="0"/>
@@ -9535,18 +9419,9 @@
           <a:lstStyle/>
           <a:p>
             <a:r>
-              <a:rPr lang="en-GB" sz="3200" dirty="0" err="1"/>
-              <a:t>TopTagger</a:t>
-            </a:r>
-            <a:r>
               <a:rPr lang="en-GB" sz="3200" dirty="0"/>
-              <a:t>, </a:t>
-            </a:r>
-            <a:r>
-              <a:rPr lang="en-GB" sz="3200" dirty="0" smtClean="0"/>
-              <a:t>DeepAK8, event MVA Acceptance comparison</a:t>
-            </a:r>
-            <a:endParaRPr lang="en-GB" sz="3200" dirty="0"/>
+              <a:t>Acceptance</a:t>
+            </a:r>
           </a:p>
         </p:txBody>
       </p:sp>
@@ -9646,13 +9521,6 @@
   <p:clrMapOvr>
     <a:masterClrMapping/>
   </p:clrMapOvr>
-  <p:timing>
-    <p:tnLst>
-      <p:par>
-        <p:cTn id="1" dur="indefinite" restart="never" nodeType="tmRoot"/>
-      </p:par>
-    </p:tnLst>
-  </p:timing>
 </p:sld>
 </file>
 
@@ -9690,7 +9558,7 @@
           <a:p>
             <a:fld id="{656A6870-60C0-4EAA-8F9A-9B155254C096}" type="datetime1">
               <a:rPr lang="en-US" smtClean="0"/>
-              <a:t>6/4/2019</a:t>
+              <a:t>6/4/19</a:t>
             </a:fld>
             <a:endParaRPr lang="en-US" dirty="0"/>
           </a:p>
@@ -9712,7 +9580,7 @@
           <a:lstStyle/>
           <a:p>
             <a:r>
-              <a:rPr lang="fi-FI" smtClean="0"/>
+              <a:rPr lang="fi-FI"/>
               <a:t>NTUA I. Papakrivopoulos, G. Bakas</a:t>
             </a:r>
             <a:endParaRPr lang="en-US" dirty="0"/>
@@ -9766,16 +9634,8 @@
           <a:lstStyle/>
           <a:p>
             <a:r>
-              <a:rPr lang="en-GB" sz="4000" dirty="0" err="1"/>
-              <a:t>TopTagger</a:t>
-            </a:r>
-            <a:r>
               <a:rPr lang="en-GB" sz="4000" dirty="0"/>
-              <a:t>, </a:t>
-            </a:r>
-            <a:r>
-              <a:rPr lang="en-GB" dirty="0" smtClean="0"/>
-              <a:t>DeepAK8 comparison</a:t>
+              <a:t>Signal over Background</a:t>
             </a:r>
             <a:endParaRPr lang="en-GB" dirty="0"/>
           </a:p>
@@ -9877,13 +9737,6 @@
   <p:clrMapOvr>
     <a:masterClrMapping/>
   </p:clrMapOvr>
-  <p:timing>
-    <p:tnLst>
-      <p:par>
-        <p:cTn id="1" dur="indefinite" restart="never" nodeType="tmRoot"/>
-      </p:par>
-    </p:tnLst>
-  </p:timing>
 </p:sld>
 </file>
 
@@ -9921,7 +9774,7 @@
           <a:p>
             <a:fld id="{3FD2968F-0741-428B-8AEA-AB37EA876EDD}" type="datetime1">
               <a:rPr lang="en-US" smtClean="0"/>
-              <a:t>6/4/2019</a:t>
+              <a:t>6/4/19</a:t>
             </a:fld>
             <a:endParaRPr lang="en-US" dirty="0"/>
           </a:p>
@@ -9943,7 +9796,7 @@
           <a:lstStyle/>
           <a:p>
             <a:r>
-              <a:rPr lang="fi-FI" smtClean="0"/>
+              <a:rPr lang="fi-FI"/>
               <a:t>NTUA I. Papakrivopoulos, G. Bakas</a:t>
             </a:r>
             <a:endParaRPr lang="en-US" dirty="0"/>
@@ -10150,6 +10003,40 @@
           </a:prstGeom>
         </p:spPr>
       </p:pic>
+      <p:sp>
+        <p:nvSpPr>
+          <p:cNvPr id="5" name="TextBox 4"/>
+          <p:cNvSpPr txBox="1"/>
+          <p:nvPr/>
+        </p:nvSpPr>
+        <p:spPr>
+          <a:xfrm>
+            <a:off x="120415" y="4071485"/>
+            <a:ext cx="1669884" cy="400110"/>
+          </a:xfrm>
+          <a:prstGeom prst="rect">
+            <a:avLst/>
+          </a:prstGeom>
+          <a:noFill/>
+        </p:spPr>
+        <p:txBody>
+          <a:bodyPr wrap="square" rtlCol="0">
+            <a:spAutoFit/>
+          </a:bodyPr>
+          <a:lstStyle/>
+          <a:p>
+            <a:r>
+              <a:rPr lang="en-GB" sz="2000" dirty="0"/>
+              <a:t>Yields vs </a:t>
+            </a:r>
+            <a:r>
+              <a:rPr lang="en-GB" sz="2000" dirty="0" err="1"/>
+              <a:t>mJJ</a:t>
+            </a:r>
+            <a:endParaRPr lang="en-GB" sz="2000" dirty="0"/>
+          </a:p>
+        </p:txBody>
+      </p:sp>
     </p:spTree>
     <p:extLst>
       <p:ext uri="{BB962C8B-B14F-4D97-AF65-F5344CB8AC3E}">
@@ -10160,13 +10047,6 @@
   <p:clrMapOvr>
     <a:masterClrMapping/>
   </p:clrMapOvr>
-  <p:timing>
-    <p:tnLst>
-      <p:par>
-        <p:cTn id="1" dur="indefinite" restart="never" nodeType="tmRoot"/>
-      </p:par>
-    </p:tnLst>
-  </p:timing>
 </p:sld>
 </file>
 
@@ -10204,7 +10084,7 @@
           <a:p>
             <a:fld id="{BD45B9A2-A59C-42C2-B82A-45613660DD90}" type="datetime1">
               <a:rPr lang="en-US" smtClean="0"/>
-              <a:t>6/4/2019</a:t>
+              <a:t>6/4/19</a:t>
             </a:fld>
             <a:endParaRPr lang="en-US" dirty="0"/>
           </a:p>
@@ -10226,7 +10106,7 @@
           <a:lstStyle/>
           <a:p>
             <a:r>
-              <a:rPr lang="fi-FI" smtClean="0"/>
+              <a:rPr lang="fi-FI"/>
               <a:t>NTUA I. Papakrivopoulos, G. Bakas</a:t>
             </a:r>
             <a:endParaRPr lang="en-US" dirty="0"/>
@@ -10433,6 +10313,40 @@
           </a:prstGeom>
         </p:spPr>
       </p:pic>
+      <p:sp>
+        <p:nvSpPr>
+          <p:cNvPr id="11" name="TextBox 10"/>
+          <p:cNvSpPr txBox="1"/>
+          <p:nvPr/>
+        </p:nvSpPr>
+        <p:spPr>
+          <a:xfrm>
+            <a:off x="120414" y="4071485"/>
+            <a:ext cx="2078309" cy="707886"/>
+          </a:xfrm>
+          <a:prstGeom prst="rect">
+            <a:avLst/>
+          </a:prstGeom>
+          <a:noFill/>
+        </p:spPr>
+        <p:txBody>
+          <a:bodyPr wrap="square" rtlCol="0">
+            <a:spAutoFit/>
+          </a:bodyPr>
+          <a:lstStyle/>
+          <a:p>
+            <a:r>
+              <a:rPr lang="en-GB" sz="2000" dirty="0"/>
+              <a:t>Yields vs </a:t>
+            </a:r>
+            <a:r>
+              <a:rPr lang="en-GB" sz="2000" dirty="0" err="1"/>
+              <a:t>jetMassSoftDrop</a:t>
+            </a:r>
+            <a:endParaRPr lang="en-GB" sz="2000" dirty="0"/>
+          </a:p>
+        </p:txBody>
+      </p:sp>
     </p:spTree>
     <p:extLst>
       <p:ext uri="{BB962C8B-B14F-4D97-AF65-F5344CB8AC3E}">
@@ -10443,13 +10357,6 @@
   <p:clrMapOvr>
     <a:masterClrMapping/>
   </p:clrMapOvr>
-  <p:timing>
-    <p:tnLst>
-      <p:par>
-        <p:cTn id="1" dur="indefinite" restart="never" nodeType="tmRoot"/>
-      </p:par>
-    </p:tnLst>
-  </p:timing>
 </p:sld>
 </file>
 
@@ -10487,7 +10394,7 @@
           <a:p>
             <a:fld id="{0352E882-488E-400B-936A-CB5B2D36F118}" type="datetime1">
               <a:rPr lang="en-US" smtClean="0"/>
-              <a:t>6/4/2019</a:t>
+              <a:t>6/4/19</a:t>
             </a:fld>
             <a:endParaRPr lang="en-US" dirty="0"/>
           </a:p>
@@ -10509,7 +10416,7 @@
           <a:lstStyle/>
           <a:p>
             <a:r>
-              <a:rPr lang="fi-FI" smtClean="0"/>
+              <a:rPr lang="fi-FI"/>
               <a:t>NTUA I. Papakrivopoulos, G. Bakas</a:t>
             </a:r>
             <a:endParaRPr lang="en-US" dirty="0"/>
@@ -10716,6 +10623,40 @@
           </a:prstGeom>
         </p:spPr>
       </p:pic>
+      <p:sp>
+        <p:nvSpPr>
+          <p:cNvPr id="11" name="TextBox 10"/>
+          <p:cNvSpPr txBox="1"/>
+          <p:nvPr/>
+        </p:nvSpPr>
+        <p:spPr>
+          <a:xfrm>
+            <a:off x="120414" y="4071485"/>
+            <a:ext cx="2078309" cy="400110"/>
+          </a:xfrm>
+          <a:prstGeom prst="rect">
+            <a:avLst/>
+          </a:prstGeom>
+          <a:noFill/>
+        </p:spPr>
+        <p:txBody>
+          <a:bodyPr wrap="square" rtlCol="0">
+            <a:spAutoFit/>
+          </a:bodyPr>
+          <a:lstStyle/>
+          <a:p>
+            <a:r>
+              <a:rPr lang="en-GB" sz="2000" dirty="0"/>
+              <a:t>Yields vs </a:t>
+            </a:r>
+            <a:r>
+              <a:rPr lang="en-GB" sz="2000" dirty="0" err="1"/>
+              <a:t>jetPt</a:t>
+            </a:r>
+            <a:endParaRPr lang="en-GB" sz="2000" dirty="0"/>
+          </a:p>
+        </p:txBody>
+      </p:sp>
     </p:spTree>
     <p:extLst>
       <p:ext uri="{BB962C8B-B14F-4D97-AF65-F5344CB8AC3E}">
@@ -10726,13 +10667,6 @@
   <p:clrMapOvr>
     <a:masterClrMapping/>
   </p:clrMapOvr>
-  <p:timing>
-    <p:tnLst>
-      <p:par>
-        <p:cTn id="1" dur="indefinite" restart="never" nodeType="tmRoot"/>
-      </p:par>
-    </p:tnLst>
-  </p:timing>
 </p:sld>
 </file>
 
